--- a/Fase 2/Evidencias Proyecto/Presentación Proyecto.pptx
+++ b/Fase 2/Evidencias Proyecto/Presentación Proyecto.pptx
@@ -7545,8 +7545,8 @@
         </p:nvSpPr>
         <p:spPr>
           <a:xfrm flipH="false" flipV="false" rot="0">
-            <a:off x="1560851" y="659963"/>
-            <a:ext cx="15166297" cy="8967073"/>
+            <a:off x="2263560" y="1139782"/>
+            <a:ext cx="13760880" cy="8127520"/>
           </a:xfrm>
           <a:custGeom>
             <a:avLst/>
@@ -7555,18 +7555,18 @@
             <a:cxnLst/>
             <a:rect r="r" b="b" t="t" l="l"/>
             <a:pathLst>
-              <a:path h="8967073" w="15166297">
+              <a:path h="8127520" w="13760880">
                 <a:moveTo>
                   <a:pt x="0" y="0"/>
                 </a:moveTo>
                 <a:lnTo>
-                  <a:pt x="15166298" y="0"/>
-                </a:lnTo>
-                <a:lnTo>
-                  <a:pt x="15166298" y="8967074"/>
-                </a:lnTo>
-                <a:lnTo>
-                  <a:pt x="0" y="8967074"/>
+                  <a:pt x="13760880" y="0"/>
+                </a:lnTo>
+                <a:lnTo>
+                  <a:pt x="13760880" y="8127520"/>
+                </a:lnTo>
+                <a:lnTo>
+                  <a:pt x="0" y="8127520"/>
                 </a:lnTo>
                 <a:lnTo>
                   <a:pt x="0" y="0"/>
@@ -7578,7 +7578,7 @@
           <a:blipFill>
             <a:blip r:embed="rId6"/>
             <a:stretch>
-              <a:fillRect l="0" t="-6342" r="0" b="-6342"/>
+              <a:fillRect l="0" t="0" r="0" b="0"/>
             </a:stretch>
           </a:blipFill>
         </p:spPr>

--- a/Fase 2/Evidencias Proyecto/Presentación Proyecto.pptx
+++ b/Fase 2/Evidencias Proyecto/Presentación Proyecto.pptx
@@ -16,32 +16,29 @@
     <p:sldId id="264" r:id="rId14"/>
     <p:sldId id="265" r:id="rId15"/>
     <p:sldId id="266" r:id="rId16"/>
-    <p:sldId id="267" r:id="rId17"/>
-    <p:sldId id="268" r:id="rId18"/>
-    <p:sldId id="269" r:id="rId19"/>
   </p:sldIdLst>
   <p:sldSz cx="18288000" cy="10287000"/>
   <p:notesSz cx="6858000" cy="9144000"/>
   <p:embeddedFontLst>
     <p:embeddedFont>
       <p:font typeface="Montaser Arabic Bold" charset="1" panose="00000800000000000000"/>
+      <p:regular r:id="rId17"/>
+    </p:embeddedFont>
+    <p:embeddedFont>
+      <p:font typeface="Montaser Arabic" charset="1" panose="00000500000000000000"/>
+      <p:regular r:id="rId18"/>
+    </p:embeddedFont>
+    <p:embeddedFont>
+      <p:font typeface="Glacial Indifference" charset="1" panose="00000000000000000000"/>
+      <p:regular r:id="rId19"/>
+    </p:embeddedFont>
+    <p:embeddedFont>
+      <p:font typeface="Glacial Indifference Bold" charset="1" panose="00000800000000000000"/>
       <p:regular r:id="rId20"/>
     </p:embeddedFont>
     <p:embeddedFont>
-      <p:font typeface="Montaser Arabic" charset="1" panose="00000500000000000000"/>
+      <p:font typeface="Glacial Indifference Italics" charset="1" panose="00000000000000000000"/>
       <p:regular r:id="rId21"/>
-    </p:embeddedFont>
-    <p:embeddedFont>
-      <p:font typeface="Glacial Indifference" charset="1" panose="00000000000000000000"/>
-      <p:regular r:id="rId22"/>
-    </p:embeddedFont>
-    <p:embeddedFont>
-      <p:font typeface="Glacial Indifference Bold" charset="1" panose="00000800000000000000"/>
-      <p:regular r:id="rId23"/>
-    </p:embeddedFont>
-    <p:embeddedFont>
-      <p:font typeface="Glacial Indifference Italics" charset="1" panose="00000000000000000000"/>
-      <p:regular r:id="rId24"/>
     </p:embeddedFont>
   </p:embeddedFontLst>
   <p:defaultTextStyle>
@@ -3576,84 +3573,10 @@
 <file path=ppt/slides/slide10.xml><?xml version="1.0" encoding="utf-8"?>
 <p:sld xmlns:p="http://schemas.openxmlformats.org/presentationml/2006/main" xmlns:a="http://schemas.openxmlformats.org/drawingml/2006/main" xmlns:r="http://schemas.openxmlformats.org/officeDocument/2006/relationships">
   <p:cSld>
-    <p:spTree>
-      <p:nvGrpSpPr>
-        <p:cNvPr id="1" name=""/>
-        <p:cNvGrpSpPr/>
-        <p:nvPr/>
-      </p:nvGrpSpPr>
-      <p:grpSpPr>
-        <a:xfrm>
-          <a:off x="0" y="0"/>
-          <a:ext cx="0" cy="0"/>
-          <a:chOff x="0" y="0"/>
-          <a:chExt cx="0" cy="0"/>
-        </a:xfrm>
-      </p:grpSpPr>
-      <p:sp>
-        <p:nvSpPr>
-          <p:cNvPr name="Freeform 2" id="2"/>
-          <p:cNvSpPr/>
-          <p:nvPr/>
-        </p:nvSpPr>
-        <p:spPr>
-          <a:xfrm flipH="false" flipV="false" rot="0">
-            <a:off x="2912602" y="0"/>
-            <a:ext cx="12462797" cy="10287000"/>
-          </a:xfrm>
-          <a:custGeom>
-            <a:avLst/>
-            <a:gdLst/>
-            <a:ahLst/>
-            <a:cxnLst/>
-            <a:rect r="r" b="b" t="t" l="l"/>
-            <a:pathLst>
-              <a:path h="10287000" w="12462797">
-                <a:moveTo>
-                  <a:pt x="0" y="0"/>
-                </a:moveTo>
-                <a:lnTo>
-                  <a:pt x="12462796" y="0"/>
-                </a:lnTo>
-                <a:lnTo>
-                  <a:pt x="12462796" y="10287000"/>
-                </a:lnTo>
-                <a:lnTo>
-                  <a:pt x="0" y="10287000"/>
-                </a:lnTo>
-                <a:lnTo>
-                  <a:pt x="0" y="0"/>
-                </a:lnTo>
-                <a:close/>
-              </a:path>
-            </a:pathLst>
-          </a:custGeom>
-          <a:blipFill>
-            <a:blip r:embed="rId2"/>
-            <a:stretch>
-              <a:fillRect l="0" t="0" r="0" b="0"/>
-            </a:stretch>
-          </a:blipFill>
-        </p:spPr>
-      </p:sp>
-    </p:spTree>
-  </p:cSld>
-  <p:clrMapOvr>
-    <a:masterClrMapping/>
-  </p:clrMapOvr>
-  <p:transition spd="fast">
-    <p:cover dir="u"/>
-  </p:transition>
-</p:sld>
-</file>
-
-<file path=ppt/slides/slide11.xml><?xml version="1.0" encoding="utf-8"?>
-<p:sld xmlns:p="http://schemas.openxmlformats.org/presentationml/2006/main" xmlns:a="http://schemas.openxmlformats.org/drawingml/2006/main" xmlns:r="http://schemas.openxmlformats.org/officeDocument/2006/relationships">
-  <p:cSld>
     <p:bg>
       <p:bgPr>
         <a:solidFill>
-          <a:srgbClr val="F6F9FC"/>
+          <a:srgbClr val="EEEEFE"/>
         </a:solidFill>
       </p:bgPr>
     </p:bg>
@@ -3678,9 +3601,9 @@
           <p:nvPr/>
         </p:nvSpPr>
         <p:spPr>
-          <a:xfrm flipH="false" flipV="false" rot="0">
-            <a:off x="800100" y="0"/>
-            <a:ext cx="16459200" cy="10287000"/>
+          <a:xfrm flipH="false" flipV="false" rot="-6399961">
+            <a:off x="11329998" y="-1574727"/>
+            <a:ext cx="13805122" cy="17698875"/>
           </a:xfrm>
           <a:custGeom>
             <a:avLst/>
@@ -3689,99 +3612,18 @@
             <a:cxnLst/>
             <a:rect r="r" b="b" t="t" l="l"/>
             <a:pathLst>
-              <a:path h="10287000" w="16459200">
+              <a:path h="17698875" w="13805122">
                 <a:moveTo>
                   <a:pt x="0" y="0"/>
                 </a:moveTo>
                 <a:lnTo>
-                  <a:pt x="16459200" y="0"/>
-                </a:lnTo>
-                <a:lnTo>
-                  <a:pt x="16459200" y="10287000"/>
-                </a:lnTo>
-                <a:lnTo>
-                  <a:pt x="0" y="10287000"/>
-                </a:lnTo>
-                <a:lnTo>
-                  <a:pt x="0" y="0"/>
-                </a:lnTo>
-                <a:close/>
-              </a:path>
-            </a:pathLst>
-          </a:custGeom>
-          <a:blipFill>
-            <a:blip r:embed="rId2"/>
-            <a:stretch>
-              <a:fillRect l="0" t="0" r="0" b="0"/>
-            </a:stretch>
-          </a:blipFill>
-        </p:spPr>
-      </p:sp>
-    </p:spTree>
-  </p:cSld>
-  <p:clrMapOvr>
-    <a:masterClrMapping/>
-  </p:clrMapOvr>
-  <p:transition spd="fast">
-    <p:cover dir="u"/>
-  </p:transition>
-</p:sld>
-</file>
-
-<file path=ppt/slides/slide12.xml><?xml version="1.0" encoding="utf-8"?>
-<p:sld xmlns:p="http://schemas.openxmlformats.org/presentationml/2006/main" xmlns:a="http://schemas.openxmlformats.org/drawingml/2006/main" xmlns:r="http://schemas.openxmlformats.org/officeDocument/2006/relationships">
-  <p:cSld>
-    <p:bg>
-      <p:bgPr>
-        <a:solidFill>
-          <a:srgbClr val="EFEFFF"/>
-        </a:solidFill>
-      </p:bgPr>
-    </p:bg>
-    <p:spTree>
-      <p:nvGrpSpPr>
-        <p:cNvPr id="1" name=""/>
-        <p:cNvGrpSpPr/>
-        <p:nvPr/>
-      </p:nvGrpSpPr>
-      <p:grpSpPr>
-        <a:xfrm>
-          <a:off x="0" y="0"/>
-          <a:ext cx="0" cy="0"/>
-          <a:chOff x="0" y="0"/>
-          <a:chExt cx="0" cy="0"/>
-        </a:xfrm>
-      </p:grpSpPr>
-      <p:sp>
-        <p:nvSpPr>
-          <p:cNvPr name="Freeform 2" id="2"/>
-          <p:cNvSpPr/>
-          <p:nvPr/>
-        </p:nvSpPr>
-        <p:spPr>
-          <a:xfrm flipH="false" flipV="false" rot="5400000">
-            <a:off x="12060836" y="-1624317"/>
-            <a:ext cx="7643712" cy="7143396"/>
-          </a:xfrm>
-          <a:custGeom>
-            <a:avLst/>
-            <a:gdLst/>
-            <a:ahLst/>
-            <a:cxnLst/>
-            <a:rect r="r" b="b" t="t" l="l"/>
-            <a:pathLst>
-              <a:path h="7143396" w="7643712">
-                <a:moveTo>
-                  <a:pt x="0" y="0"/>
-                </a:moveTo>
-                <a:lnTo>
-                  <a:pt x="7643711" y="0"/>
-                </a:lnTo>
-                <a:lnTo>
-                  <a:pt x="7643711" y="7143396"/>
-                </a:lnTo>
-                <a:lnTo>
-                  <a:pt x="0" y="7143396"/>
+                  <a:pt x="13805122" y="0"/>
+                </a:lnTo>
+                <a:lnTo>
+                  <a:pt x="13805122" y="17698875"/>
+                </a:lnTo>
+                <a:lnTo>
+                  <a:pt x="0" y="17698875"/>
                 </a:lnTo>
                 <a:lnTo>
                   <a:pt x="0" y="0"/>
@@ -3792,7 +3634,6 @@
           </a:custGeom>
           <a:blipFill>
             <a:blip r:embed="rId2">
-              <a:alphaModFix amt="35000"/>
               <a:extLst>
                 <a:ext uri="{96DAC541-7B7A-43D3-8B79-37D633B846F1}">
                   <asvg:svgBlip xmlns:asvg="http://schemas.microsoft.com/office/drawing/2016/SVG/main" r:embed="rId3"/>
@@ -3812,14 +3653,108 @@
       </p:sp>
       <p:sp>
         <p:nvSpPr>
-          <p:cNvPr name="Freeform 3" id="3"/>
+          <p:cNvPr name="TextBox 3" id="3"/>
+          <p:cNvSpPr txBox="true"/>
+          <p:nvPr/>
+        </p:nvSpPr>
+        <p:spPr>
+          <a:xfrm rot="0">
+            <a:off x="2130732" y="3952647"/>
+            <a:ext cx="9579692" cy="4386300"/>
+          </a:xfrm>
+          <a:prstGeom prst="rect">
+            <a:avLst/>
+          </a:prstGeom>
+        </p:spPr>
+        <p:txBody>
+          <a:bodyPr anchor="t" rtlCol="false" tIns="0" lIns="0" bIns="0" rIns="0">
+            <a:spAutoFit/>
+          </a:bodyPr>
+          <a:lstStyle/>
+          <a:p>
+            <a:pPr algn="just">
+              <a:lnSpc>
+                <a:spcPts val="4985"/>
+              </a:lnSpc>
+            </a:pPr>
+            <a:r>
+              <a:rPr lang="en-US" sz="3561" spc="78">
+                <a:solidFill>
+                  <a:srgbClr val="29458E"/>
+                </a:solidFill>
+                <a:latin typeface="Glacial Indifference"/>
+                <a:ea typeface="Glacial Indifference"/>
+                <a:cs typeface="Glacial Indifference"/>
+                <a:sym typeface="Glacial Indifference"/>
+              </a:rPr>
+              <a:t>Con tod</a:t>
+            </a:r>
+            <a:r>
+              <a:rPr lang="en-US" sz="3561" spc="78" strike="noStrike" u="none">
+                <a:solidFill>
+                  <a:srgbClr val="29458E"/>
+                </a:solidFill>
+                <a:latin typeface="Glacial Indifference"/>
+                <a:ea typeface="Glacial Indifference"/>
+                <a:cs typeface="Glacial Indifference"/>
+                <a:sym typeface="Glacial Indifference"/>
+              </a:rPr>
+              <a:t>o lo mencionado anteriormente esperamos que haya podido quedar claro lo que buscamos crear como equipo, estamos seguros de que con esta solución podremos arreglar la problemática que actualmente tiene la compañía y poder mejorar su desempeño.</a:t>
+            </a:r>
+          </a:p>
+        </p:txBody>
+      </p:sp>
+      <p:sp>
+        <p:nvSpPr>
+          <p:cNvPr name="TextBox 4" id="4"/>
+          <p:cNvSpPr txBox="true"/>
+          <p:nvPr/>
+        </p:nvSpPr>
+        <p:spPr>
+          <a:xfrm rot="0">
+            <a:off x="1828022" y="2444870"/>
+            <a:ext cx="8324690" cy="1259324"/>
+          </a:xfrm>
+          <a:prstGeom prst="rect">
+            <a:avLst/>
+          </a:prstGeom>
+        </p:spPr>
+        <p:txBody>
+          <a:bodyPr anchor="t" rtlCol="false" tIns="0" lIns="0" bIns="0" rIns="0">
+            <a:spAutoFit/>
+          </a:bodyPr>
+          <a:lstStyle/>
+          <a:p>
+            <a:pPr algn="l">
+              <a:lnSpc>
+                <a:spcPts val="10258"/>
+              </a:lnSpc>
+            </a:pPr>
+            <a:r>
+              <a:rPr lang="en-US" b="true" sz="7327" spc="688">
+                <a:solidFill>
+                  <a:srgbClr val="29458E"/>
+                </a:solidFill>
+                <a:latin typeface="Glacial Indifference Bold"/>
+                <a:ea typeface="Glacial Indifference Bold"/>
+                <a:cs typeface="Glacial Indifference Bold"/>
+                <a:sym typeface="Glacial Indifference Bold"/>
+              </a:rPr>
+              <a:t>CONCLUSIÓN</a:t>
+            </a:r>
+          </a:p>
+        </p:txBody>
+      </p:sp>
+      <p:sp>
+        <p:nvSpPr>
+          <p:cNvPr name="Freeform 5" id="5"/>
           <p:cNvSpPr/>
           <p:nvPr/>
         </p:nvSpPr>
         <p:spPr>
-          <a:xfrm flipH="false" flipV="false" rot="0">
-            <a:off x="13306345" y="-285545"/>
-            <a:ext cx="5502457" cy="5272355"/>
+          <a:xfrm flipH="false" flipV="false" rot="4114121">
+            <a:off x="14231721" y="4747968"/>
+            <a:ext cx="5168085" cy="4951965"/>
           </a:xfrm>
           <a:custGeom>
             <a:avLst/>
@@ -3828,18 +3763,18 @@
             <a:cxnLst/>
             <a:rect r="r" b="b" t="t" l="l"/>
             <a:pathLst>
-              <a:path h="5272355" w="5502457">
+              <a:path h="4951965" w="5168085">
                 <a:moveTo>
                   <a:pt x="0" y="0"/>
                 </a:moveTo>
                 <a:lnTo>
-                  <a:pt x="5502457" y="0"/>
-                </a:lnTo>
-                <a:lnTo>
-                  <a:pt x="5502457" y="5272355"/>
-                </a:lnTo>
-                <a:lnTo>
-                  <a:pt x="0" y="5272355"/>
+                  <a:pt x="5168084" y="0"/>
+                </a:lnTo>
+                <a:lnTo>
+                  <a:pt x="5168084" y="4951964"/>
+                </a:lnTo>
+                <a:lnTo>
+                  <a:pt x="0" y="4951964"/>
                 </a:lnTo>
                 <a:lnTo>
                   <a:pt x="0" y="0"/>
@@ -3869,14 +3804,14 @@
       </p:sp>
       <p:sp>
         <p:nvSpPr>
-          <p:cNvPr name="Freeform 4" id="4"/>
+          <p:cNvPr name="Freeform 6" id="6"/>
           <p:cNvSpPr/>
           <p:nvPr/>
         </p:nvSpPr>
         <p:spPr>
-          <a:xfrm flipH="false" flipV="false" rot="-9577409">
-            <a:off x="9296890" y="1563906"/>
-            <a:ext cx="13879540" cy="12971061"/>
+          <a:xfrm flipH="false" flipV="false" rot="-6783424">
+            <a:off x="13751059" y="7795098"/>
+            <a:ext cx="3086494" cy="2957423"/>
           </a:xfrm>
           <a:custGeom>
             <a:avLst/>
@@ -3885,18 +3820,99 @@
             <a:cxnLst/>
             <a:rect r="r" b="b" t="t" l="l"/>
             <a:pathLst>
-              <a:path h="12971061" w="13879540">
+              <a:path h="2957423" w="3086494">
                 <a:moveTo>
                   <a:pt x="0" y="0"/>
                 </a:moveTo>
                 <a:lnTo>
-                  <a:pt x="13879541" y="0"/>
-                </a:lnTo>
-                <a:lnTo>
-                  <a:pt x="13879541" y="12971061"/>
-                </a:lnTo>
-                <a:lnTo>
-                  <a:pt x="0" y="12971061"/>
+                  <a:pt x="3086494" y="0"/>
+                </a:lnTo>
+                <a:lnTo>
+                  <a:pt x="3086494" y="2957423"/>
+                </a:lnTo>
+                <a:lnTo>
+                  <a:pt x="0" y="2957423"/>
+                </a:lnTo>
+                <a:lnTo>
+                  <a:pt x="0" y="0"/>
+                </a:lnTo>
+                <a:close/>
+              </a:path>
+            </a:pathLst>
+          </a:custGeom>
+          <a:blipFill>
+            <a:blip r:embed="rId4">
+              <a:extLst>
+                <a:ext uri="{96DAC541-7B7A-43D3-8B79-37D633B846F1}">
+                  <asvg:svgBlip xmlns:asvg="http://schemas.microsoft.com/office/drawing/2016/SVG/main" r:embed="rId5"/>
+                </a:ext>
+              </a:extLst>
+            </a:blip>
+            <a:stretch>
+              <a:fillRect l="0" t="0" r="0" b="0"/>
+            </a:stretch>
+          </a:blipFill>
+          <a:ln cap="sq">
+            <a:noFill/>
+            <a:prstDash val="solid"/>
+            <a:miter/>
+          </a:ln>
+        </p:spPr>
+      </p:sp>
+      <p:sp>
+        <p:nvSpPr>
+          <p:cNvPr name="AutoShape 7" id="7"/>
+          <p:cNvSpPr/>
+          <p:nvPr/>
+        </p:nvSpPr>
+        <p:spPr>
+          <a:xfrm flipV="true">
+            <a:off x="1828022" y="4028847"/>
+            <a:ext cx="0" cy="1470758"/>
+          </a:xfrm>
+          <a:prstGeom prst="line">
+            <a:avLst/>
+          </a:prstGeom>
+          <a:ln cap="flat" w="76200">
+            <a:solidFill>
+              <a:srgbClr val="29458E"/>
+            </a:solidFill>
+            <a:prstDash val="solid"/>
+            <a:headEnd type="none" len="sm" w="sm"/>
+            <a:tailEnd type="none" len="sm" w="sm"/>
+          </a:ln>
+        </p:spPr>
+      </p:sp>
+      <p:sp>
+        <p:nvSpPr>
+          <p:cNvPr name="Freeform 8" id="8"/>
+          <p:cNvSpPr/>
+          <p:nvPr/>
+        </p:nvSpPr>
+        <p:spPr>
+          <a:xfrm flipH="false" flipV="false" rot="659918">
+            <a:off x="-165526" y="-2972297"/>
+            <a:ext cx="7352818" cy="6871543"/>
+          </a:xfrm>
+          <a:custGeom>
+            <a:avLst/>
+            <a:gdLst/>
+            <a:ahLst/>
+            <a:cxnLst/>
+            <a:rect r="r" b="b" t="t" l="l"/>
+            <a:pathLst>
+              <a:path h="6871543" w="7352818">
+                <a:moveTo>
+                  <a:pt x="0" y="0"/>
+                </a:moveTo>
+                <a:lnTo>
+                  <a:pt x="7352819" y="0"/>
+                </a:lnTo>
+                <a:lnTo>
+                  <a:pt x="7352819" y="6871543"/>
+                </a:lnTo>
+                <a:lnTo>
+                  <a:pt x="0" y="6871543"/>
                 </a:lnTo>
                 <a:lnTo>
                   <a:pt x="0" y="0"/>
@@ -3924,1015 +3940,6 @@
           </a:ln>
         </p:spPr>
       </p:sp>
-      <p:sp>
-        <p:nvSpPr>
-          <p:cNvPr name="Freeform 5" id="5"/>
-          <p:cNvSpPr/>
-          <p:nvPr/>
-        </p:nvSpPr>
-        <p:spPr>
-          <a:xfrm flipH="false" flipV="false" rot="684474">
-            <a:off x="-3647968" y="-2099647"/>
-            <a:ext cx="11717314" cy="10950363"/>
-          </a:xfrm>
-          <a:custGeom>
-            <a:avLst/>
-            <a:gdLst/>
-            <a:ahLst/>
-            <a:cxnLst/>
-            <a:rect r="r" b="b" t="t" l="l"/>
-            <a:pathLst>
-              <a:path h="10950363" w="11717314">
-                <a:moveTo>
-                  <a:pt x="0" y="0"/>
-                </a:moveTo>
-                <a:lnTo>
-                  <a:pt x="11717314" y="0"/>
-                </a:lnTo>
-                <a:lnTo>
-                  <a:pt x="11717314" y="10950363"/>
-                </a:lnTo>
-                <a:lnTo>
-                  <a:pt x="0" y="10950363"/>
-                </a:lnTo>
-                <a:lnTo>
-                  <a:pt x="0" y="0"/>
-                </a:lnTo>
-                <a:close/>
-              </a:path>
-            </a:pathLst>
-          </a:custGeom>
-          <a:blipFill>
-            <a:blip r:embed="rId6">
-              <a:extLst>
-                <a:ext uri="{96DAC541-7B7A-43D3-8B79-37D633B846F1}">
-                  <asvg:svgBlip xmlns:asvg="http://schemas.microsoft.com/office/drawing/2016/SVG/main" r:embed="rId7"/>
-                </a:ext>
-              </a:extLst>
-            </a:blip>
-            <a:stretch>
-              <a:fillRect l="0" t="0" r="0" b="0"/>
-            </a:stretch>
-          </a:blipFill>
-          <a:ln cap="sq">
-            <a:noFill/>
-            <a:prstDash val="solid"/>
-            <a:miter/>
-          </a:ln>
-        </p:spPr>
-      </p:sp>
-      <p:sp>
-        <p:nvSpPr>
-          <p:cNvPr name="TextBox 6" id="6"/>
-          <p:cNvSpPr txBox="true"/>
-          <p:nvPr/>
-        </p:nvSpPr>
-        <p:spPr>
-          <a:xfrm rot="0">
-            <a:off x="1028700" y="1502399"/>
-            <a:ext cx="9113580" cy="1413398"/>
-          </a:xfrm>
-          <a:prstGeom prst="rect">
-            <a:avLst/>
-          </a:prstGeom>
-        </p:spPr>
-        <p:txBody>
-          <a:bodyPr anchor="t" rtlCol="false" tIns="0" lIns="0" bIns="0" rIns="0">
-            <a:spAutoFit/>
-          </a:bodyPr>
-          <a:lstStyle/>
-          <a:p>
-            <a:pPr algn="ctr" marL="0" indent="0" lvl="0">
-              <a:lnSpc>
-                <a:spcPts val="11572"/>
-              </a:lnSpc>
-              <a:spcBef>
-                <a:spcPct val="0"/>
-              </a:spcBef>
-            </a:pPr>
-            <a:r>
-              <a:rPr lang="en-US" b="true" sz="8266" spc="777">
-                <a:solidFill>
-                  <a:srgbClr val="29458E"/>
-                </a:solidFill>
-                <a:latin typeface="Glacial Indifference Bold"/>
-                <a:ea typeface="Glacial Indifference Bold"/>
-                <a:cs typeface="Glacial Indifference Bold"/>
-                <a:sym typeface="Glacial Indifference Bold"/>
-              </a:rPr>
-              <a:t>CORRECCIONES</a:t>
-            </a:r>
-          </a:p>
-        </p:txBody>
-      </p:sp>
-      <p:sp>
-        <p:nvSpPr>
-          <p:cNvPr name="Freeform 7" id="7"/>
-          <p:cNvSpPr/>
-          <p:nvPr/>
-        </p:nvSpPr>
-        <p:spPr>
-          <a:xfrm flipH="false" flipV="false" rot="-5400000">
-            <a:off x="-1974408" y="5391557"/>
-            <a:ext cx="7579516" cy="7083402"/>
-          </a:xfrm>
-          <a:custGeom>
-            <a:avLst/>
-            <a:gdLst/>
-            <a:ahLst/>
-            <a:cxnLst/>
-            <a:rect r="r" b="b" t="t" l="l"/>
-            <a:pathLst>
-              <a:path h="7083402" w="7579516">
-                <a:moveTo>
-                  <a:pt x="0" y="0"/>
-                </a:moveTo>
-                <a:lnTo>
-                  <a:pt x="7579516" y="0"/>
-                </a:lnTo>
-                <a:lnTo>
-                  <a:pt x="7579516" y="7083402"/>
-                </a:lnTo>
-                <a:lnTo>
-                  <a:pt x="0" y="7083402"/>
-                </a:lnTo>
-                <a:lnTo>
-                  <a:pt x="0" y="0"/>
-                </a:lnTo>
-                <a:close/>
-              </a:path>
-            </a:pathLst>
-          </a:custGeom>
-          <a:blipFill>
-            <a:blip r:embed="rId2">
-              <a:alphaModFix amt="35000"/>
-              <a:extLst>
-                <a:ext uri="{96DAC541-7B7A-43D3-8B79-37D633B846F1}">
-                  <asvg:svgBlip xmlns:asvg="http://schemas.microsoft.com/office/drawing/2016/SVG/main" r:embed="rId3"/>
-                </a:ext>
-              </a:extLst>
-            </a:blip>
-            <a:stretch>
-              <a:fillRect l="0" t="0" r="0" b="0"/>
-            </a:stretch>
-          </a:blipFill>
-          <a:ln cap="sq">
-            <a:noFill/>
-            <a:prstDash val="solid"/>
-            <a:miter/>
-          </a:ln>
-        </p:spPr>
-      </p:sp>
-      <p:grpSp>
-        <p:nvGrpSpPr>
-          <p:cNvPr name="Group 8" id="8"/>
-          <p:cNvGrpSpPr/>
-          <p:nvPr/>
-        </p:nvGrpSpPr>
-        <p:grpSpPr>
-          <a:xfrm rot="0">
-            <a:off x="1028700" y="3675461"/>
-            <a:ext cx="6092120" cy="4373976"/>
-            <a:chOff x="0" y="0"/>
-            <a:chExt cx="8122826" cy="5831968"/>
-          </a:xfrm>
-        </p:grpSpPr>
-        <p:grpSp>
-          <p:nvGrpSpPr>
-            <p:cNvPr name="Group 9" id="9"/>
-            <p:cNvGrpSpPr/>
-            <p:nvPr/>
-          </p:nvGrpSpPr>
-          <p:grpSpPr>
-            <a:xfrm rot="0">
-              <a:off x="0" y="0"/>
-              <a:ext cx="8122826" cy="5831968"/>
-              <a:chOff x="0" y="0"/>
-              <a:chExt cx="1604509" cy="1151994"/>
-            </a:xfrm>
-          </p:grpSpPr>
-          <p:sp>
-            <p:nvSpPr>
-              <p:cNvPr name="Freeform 10" id="10"/>
-              <p:cNvSpPr/>
-              <p:nvPr/>
-            </p:nvSpPr>
-            <p:spPr>
-              <a:xfrm flipH="false" flipV="false" rot="0">
-                <a:off x="0" y="0"/>
-                <a:ext cx="1604509" cy="1151994"/>
-              </a:xfrm>
-              <a:custGeom>
-                <a:avLst/>
-                <a:gdLst/>
-                <a:ahLst/>
-                <a:cxnLst/>
-                <a:rect r="r" b="b" t="t" l="l"/>
-                <a:pathLst>
-                  <a:path h="1151994" w="1604509">
-                    <a:moveTo>
-                      <a:pt x="64811" y="0"/>
-                    </a:moveTo>
-                    <a:lnTo>
-                      <a:pt x="1539698" y="0"/>
-                    </a:lnTo>
-                    <a:cubicBezTo>
-                      <a:pt x="1575492" y="0"/>
-                      <a:pt x="1604509" y="29017"/>
-                      <a:pt x="1604509" y="64811"/>
-                    </a:cubicBezTo>
-                    <a:lnTo>
-                      <a:pt x="1604509" y="1087182"/>
-                    </a:lnTo>
-                    <a:cubicBezTo>
-                      <a:pt x="1604509" y="1104371"/>
-                      <a:pt x="1597681" y="1120856"/>
-                      <a:pt x="1585526" y="1133011"/>
-                    </a:cubicBezTo>
-                    <a:cubicBezTo>
-                      <a:pt x="1573372" y="1145165"/>
-                      <a:pt x="1556887" y="1151994"/>
-                      <a:pt x="1539698" y="1151994"/>
-                    </a:cubicBezTo>
-                    <a:lnTo>
-                      <a:pt x="64811" y="1151994"/>
-                    </a:lnTo>
-                    <a:cubicBezTo>
-                      <a:pt x="47622" y="1151994"/>
-                      <a:pt x="31137" y="1145165"/>
-                      <a:pt x="18983" y="1133011"/>
-                    </a:cubicBezTo>
-                    <a:cubicBezTo>
-                      <a:pt x="6828" y="1120856"/>
-                      <a:pt x="0" y="1104371"/>
-                      <a:pt x="0" y="1087182"/>
-                    </a:cubicBezTo>
-                    <a:lnTo>
-                      <a:pt x="0" y="64811"/>
-                    </a:lnTo>
-                    <a:cubicBezTo>
-                      <a:pt x="0" y="47622"/>
-                      <a:pt x="6828" y="31137"/>
-                      <a:pt x="18983" y="18983"/>
-                    </a:cubicBezTo>
-                    <a:cubicBezTo>
-                      <a:pt x="31137" y="6828"/>
-                      <a:pt x="47622" y="0"/>
-                      <a:pt x="64811" y="0"/>
-                    </a:cubicBezTo>
-                    <a:close/>
-                  </a:path>
-                </a:pathLst>
-              </a:custGeom>
-              <a:solidFill>
-                <a:srgbClr val="FFFFFF">
-                  <a:alpha val="49804"/>
-                </a:srgbClr>
-              </a:solidFill>
-            </p:spPr>
-          </p:sp>
-          <p:sp>
-            <p:nvSpPr>
-              <p:cNvPr name="TextBox 11" id="11"/>
-              <p:cNvSpPr txBox="true"/>
-              <p:nvPr/>
-            </p:nvSpPr>
-            <p:spPr>
-              <a:xfrm>
-                <a:off x="0" y="9525"/>
-                <a:ext cx="1604509" cy="1142469"/>
-              </a:xfrm>
-              <a:prstGeom prst="rect">
-                <a:avLst/>
-              </a:prstGeom>
-            </p:spPr>
-            <p:txBody>
-              <a:bodyPr anchor="ctr" rtlCol="false" tIns="50800" lIns="50800" bIns="50800" rIns="50800"/>
-              <a:lstStyle/>
-              <a:p>
-                <a:pPr algn="ctr">
-                  <a:lnSpc>
-                    <a:spcPts val="2121"/>
-                  </a:lnSpc>
-                </a:pPr>
-              </a:p>
-            </p:txBody>
-          </p:sp>
-        </p:grpSp>
-        <p:sp>
-          <p:nvSpPr>
-            <p:cNvPr name="TextBox 12" id="12"/>
-            <p:cNvSpPr txBox="true"/>
-            <p:nvPr/>
-          </p:nvSpPr>
-          <p:spPr>
-            <a:xfrm rot="0">
-              <a:off x="818744" y="960688"/>
-              <a:ext cx="6492864" cy="2769870"/>
-            </a:xfrm>
-            <a:prstGeom prst="rect">
-              <a:avLst/>
-            </a:prstGeom>
-          </p:spPr>
-          <p:txBody>
-            <a:bodyPr anchor="t" rtlCol="false" tIns="0" lIns="0" bIns="0" rIns="0">
-              <a:spAutoFit/>
-            </a:bodyPr>
-            <a:lstStyle/>
-            <a:p>
-              <a:pPr algn="l" marL="518160" indent="-259080" lvl="1">
-                <a:lnSpc>
-                  <a:spcPts val="3359"/>
-                </a:lnSpc>
-                <a:buAutoNum type="arabicPeriod" startAt="1"/>
-              </a:pPr>
-              <a:r>
-                <a:rPr lang="en-US" sz="2400" spc="225">
-                  <a:solidFill>
-                    <a:srgbClr val="29458E"/>
-                  </a:solidFill>
-                  <a:latin typeface="Glacial Indifference"/>
-                  <a:ea typeface="Glacial Indifference"/>
-                  <a:cs typeface="Glacial Indifference"/>
-                  <a:sym typeface="Glacial Indifference"/>
-                </a:rPr>
-                <a:t>Historias de usuarios</a:t>
-              </a:r>
-            </a:p>
-            <a:p>
-              <a:pPr algn="l" marL="518160" indent="-259080" lvl="1">
-                <a:lnSpc>
-                  <a:spcPts val="3359"/>
-                </a:lnSpc>
-                <a:buAutoNum type="arabicPeriod" startAt="1"/>
-              </a:pPr>
-              <a:r>
-                <a:rPr lang="en-US" sz="2400" spc="225">
-                  <a:solidFill>
-                    <a:srgbClr val="29458E"/>
-                  </a:solidFill>
-                  <a:latin typeface="Glacial Indifference"/>
-                  <a:ea typeface="Glacial Indifference"/>
-                  <a:cs typeface="Glacial Indifference"/>
-                  <a:sym typeface="Glacial Indifference"/>
-                </a:rPr>
-                <a:t>Roadmap</a:t>
-              </a:r>
-            </a:p>
-            <a:p>
-              <a:pPr algn="l" marL="518160" indent="-259080" lvl="1">
-                <a:lnSpc>
-                  <a:spcPts val="3359"/>
-                </a:lnSpc>
-                <a:buAutoNum type="arabicPeriod" startAt="1"/>
-              </a:pPr>
-              <a:r>
-                <a:rPr lang="en-US" sz="2400" spc="225">
-                  <a:solidFill>
-                    <a:srgbClr val="29458E"/>
-                  </a:solidFill>
-                  <a:latin typeface="Glacial Indifference"/>
-                  <a:ea typeface="Glacial Indifference"/>
-                  <a:cs typeface="Glacial Indifference"/>
-                  <a:sym typeface="Glacial Indifference"/>
-                </a:rPr>
-                <a:t>Product Owner</a:t>
-              </a:r>
-            </a:p>
-            <a:p>
-              <a:pPr algn="l" marL="518160" indent="-259080" lvl="1">
-                <a:lnSpc>
-                  <a:spcPts val="3359"/>
-                </a:lnSpc>
-                <a:buAutoNum type="arabicPeriod" startAt="1"/>
-              </a:pPr>
-              <a:r>
-                <a:rPr lang="en-US" sz="2400" spc="225">
-                  <a:solidFill>
-                    <a:srgbClr val="29458E"/>
-                  </a:solidFill>
-                  <a:latin typeface="Glacial Indifference"/>
-                  <a:ea typeface="Glacial Indifference"/>
-                  <a:cs typeface="Glacial Indifference"/>
-                  <a:sym typeface="Glacial Indifference"/>
-                </a:rPr>
-                <a:t>Alcance del proyecto</a:t>
-              </a:r>
-            </a:p>
-            <a:p>
-              <a:pPr algn="l" marL="518160" indent="-259080" lvl="1">
-                <a:lnSpc>
-                  <a:spcPts val="3359"/>
-                </a:lnSpc>
-                <a:buAutoNum type="arabicPeriod" startAt="1"/>
-              </a:pPr>
-              <a:r>
-                <a:rPr lang="en-US" sz="2400" spc="225">
-                  <a:solidFill>
-                    <a:srgbClr val="29458E"/>
-                  </a:solidFill>
-                  <a:latin typeface="Glacial Indifference"/>
-                  <a:ea typeface="Glacial Indifference"/>
-                  <a:cs typeface="Glacial Indifference"/>
-                  <a:sym typeface="Glacial Indifference"/>
-                </a:rPr>
-                <a:t>Backlog</a:t>
-              </a:r>
-            </a:p>
-          </p:txBody>
-        </p:sp>
-      </p:grpSp>
-      <p:grpSp>
-        <p:nvGrpSpPr>
-          <p:cNvPr name="Group 13" id="13"/>
-          <p:cNvGrpSpPr/>
-          <p:nvPr/>
-        </p:nvGrpSpPr>
-        <p:grpSpPr>
-          <a:xfrm rot="0">
-            <a:off x="9741037" y="3675461"/>
-            <a:ext cx="7518263" cy="4373976"/>
-            <a:chOff x="0" y="0"/>
-            <a:chExt cx="10024350" cy="5831968"/>
-          </a:xfrm>
-        </p:grpSpPr>
-        <p:grpSp>
-          <p:nvGrpSpPr>
-            <p:cNvPr name="Group 14" id="14"/>
-            <p:cNvGrpSpPr/>
-            <p:nvPr/>
-          </p:nvGrpSpPr>
-          <p:grpSpPr>
-            <a:xfrm rot="0">
-              <a:off x="0" y="0"/>
-              <a:ext cx="10024350" cy="5831968"/>
-              <a:chOff x="0" y="0"/>
-              <a:chExt cx="1980119" cy="1151994"/>
-            </a:xfrm>
-          </p:grpSpPr>
-          <p:sp>
-            <p:nvSpPr>
-              <p:cNvPr name="Freeform 15" id="15"/>
-              <p:cNvSpPr/>
-              <p:nvPr/>
-            </p:nvSpPr>
-            <p:spPr>
-              <a:xfrm flipH="false" flipV="false" rot="0">
-                <a:off x="0" y="0"/>
-                <a:ext cx="1980118" cy="1151994"/>
-              </a:xfrm>
-              <a:custGeom>
-                <a:avLst/>
-                <a:gdLst/>
-                <a:ahLst/>
-                <a:cxnLst/>
-                <a:rect r="r" b="b" t="t" l="l"/>
-                <a:pathLst>
-                  <a:path h="1151994" w="1980118">
-                    <a:moveTo>
-                      <a:pt x="52517" y="0"/>
-                    </a:moveTo>
-                    <a:lnTo>
-                      <a:pt x="1927601" y="0"/>
-                    </a:lnTo>
-                    <a:cubicBezTo>
-                      <a:pt x="1941530" y="0"/>
-                      <a:pt x="1954888" y="5533"/>
-                      <a:pt x="1964736" y="15382"/>
-                    </a:cubicBezTo>
-                    <a:cubicBezTo>
-                      <a:pt x="1974585" y="25231"/>
-                      <a:pt x="1980118" y="38589"/>
-                      <a:pt x="1980118" y="52517"/>
-                    </a:cubicBezTo>
-                    <a:lnTo>
-                      <a:pt x="1980118" y="1099476"/>
-                    </a:lnTo>
-                    <a:cubicBezTo>
-                      <a:pt x="1980118" y="1113405"/>
-                      <a:pt x="1974585" y="1126763"/>
-                      <a:pt x="1964736" y="1136612"/>
-                    </a:cubicBezTo>
-                    <a:cubicBezTo>
-                      <a:pt x="1954888" y="1146461"/>
-                      <a:pt x="1941530" y="1151994"/>
-                      <a:pt x="1927601" y="1151994"/>
-                    </a:cubicBezTo>
-                    <a:lnTo>
-                      <a:pt x="52517" y="1151994"/>
-                    </a:lnTo>
-                    <a:cubicBezTo>
-                      <a:pt x="38589" y="1151994"/>
-                      <a:pt x="25231" y="1146461"/>
-                      <a:pt x="15382" y="1136612"/>
-                    </a:cubicBezTo>
-                    <a:cubicBezTo>
-                      <a:pt x="5533" y="1126763"/>
-                      <a:pt x="0" y="1113405"/>
-                      <a:pt x="0" y="1099476"/>
-                    </a:cubicBezTo>
-                    <a:lnTo>
-                      <a:pt x="0" y="52517"/>
-                    </a:lnTo>
-                    <a:cubicBezTo>
-                      <a:pt x="0" y="38589"/>
-                      <a:pt x="5533" y="25231"/>
-                      <a:pt x="15382" y="15382"/>
-                    </a:cubicBezTo>
-                    <a:cubicBezTo>
-                      <a:pt x="25231" y="5533"/>
-                      <a:pt x="38589" y="0"/>
-                      <a:pt x="52517" y="0"/>
-                    </a:cubicBezTo>
-                    <a:close/>
-                  </a:path>
-                </a:pathLst>
-              </a:custGeom>
-              <a:solidFill>
-                <a:srgbClr val="FFFFFF">
-                  <a:alpha val="49804"/>
-                </a:srgbClr>
-              </a:solidFill>
-            </p:spPr>
-          </p:sp>
-          <p:sp>
-            <p:nvSpPr>
-              <p:cNvPr name="TextBox 16" id="16"/>
-              <p:cNvSpPr txBox="true"/>
-              <p:nvPr/>
-            </p:nvSpPr>
-            <p:spPr>
-              <a:xfrm>
-                <a:off x="0" y="9525"/>
-                <a:ext cx="1980119" cy="1142469"/>
-              </a:xfrm>
-              <a:prstGeom prst="rect">
-                <a:avLst/>
-              </a:prstGeom>
-            </p:spPr>
-            <p:txBody>
-              <a:bodyPr anchor="ctr" rtlCol="false" tIns="50800" lIns="50800" bIns="50800" rIns="50800"/>
-              <a:lstStyle/>
-              <a:p>
-                <a:pPr algn="ctr">
-                  <a:lnSpc>
-                    <a:spcPts val="2121"/>
-                  </a:lnSpc>
-                </a:pPr>
-              </a:p>
-            </p:txBody>
-          </p:sp>
-        </p:grpSp>
-        <p:sp>
-          <p:nvSpPr>
-            <p:cNvPr name="TextBox 17" id="17"/>
-            <p:cNvSpPr txBox="true"/>
-            <p:nvPr/>
-          </p:nvSpPr>
-          <p:spPr>
-            <a:xfrm rot="0">
-              <a:off x="1008574" y="941632"/>
-              <a:ext cx="8002762" cy="3328670"/>
-            </a:xfrm>
-            <a:prstGeom prst="rect">
-              <a:avLst/>
-            </a:prstGeom>
-          </p:spPr>
-          <p:txBody>
-            <a:bodyPr anchor="t" rtlCol="false" tIns="0" lIns="0" bIns="0" rIns="0">
-              <a:spAutoFit/>
-            </a:bodyPr>
-            <a:lstStyle/>
-            <a:p>
-              <a:pPr algn="l">
-                <a:lnSpc>
-                  <a:spcPts val="3359"/>
-                </a:lnSpc>
-                <a:spcBef>
-                  <a:spcPct val="0"/>
-                </a:spcBef>
-              </a:pPr>
-              <a:r>
-                <a:rPr lang="en-US" sz="2400" spc="225">
-                  <a:solidFill>
-                    <a:srgbClr val="29458E"/>
-                  </a:solidFill>
-                  <a:latin typeface="Glacial Indifference"/>
-                  <a:ea typeface="Glacial Indifference"/>
-                  <a:cs typeface="Glacial Indifference"/>
-                  <a:sym typeface="Glacial Indifference"/>
-                </a:rPr>
-                <a:t>Se realizó una corrección desde cero tanto a las historias de usuario como a el backlog, ya que se definieron mejor los procesos. Con esto buscamos adaptarnos de manera optima a los objetivos del proyecto.</a:t>
-              </a:r>
-            </a:p>
-          </p:txBody>
-        </p:sp>
-      </p:grpSp>
-      <p:sp>
-        <p:nvSpPr>
-          <p:cNvPr name="AutoShape 18" id="18"/>
-          <p:cNvSpPr/>
-          <p:nvPr/>
-        </p:nvSpPr>
-        <p:spPr>
-          <a:xfrm>
-            <a:off x="7120820" y="5862449"/>
-            <a:ext cx="2620218" cy="0"/>
-          </a:xfrm>
-          <a:prstGeom prst="line">
-            <a:avLst/>
-          </a:prstGeom>
-          <a:ln cap="flat" w="85725">
-            <a:solidFill>
-              <a:srgbClr val="8B9ECF"/>
-            </a:solidFill>
-            <a:prstDash val="sysDash"/>
-            <a:headEnd type="oval" len="lg" w="lg"/>
-            <a:tailEnd type="arrow" len="sm" w="med"/>
-          </a:ln>
-        </p:spPr>
-      </p:sp>
-    </p:spTree>
-  </p:cSld>
-  <p:clrMapOvr>
-    <a:masterClrMapping/>
-  </p:clrMapOvr>
-  <p:transition spd="fast">
-    <p:cover dir="l"/>
-  </p:transition>
-</p:sld>
-</file>
-
-<file path=ppt/slides/slide13.xml><?xml version="1.0" encoding="utf-8"?>
-<p:sld xmlns:p="http://schemas.openxmlformats.org/presentationml/2006/main" xmlns:a="http://schemas.openxmlformats.org/drawingml/2006/main" xmlns:r="http://schemas.openxmlformats.org/officeDocument/2006/relationships">
-  <p:cSld>
-    <p:bg>
-      <p:bgPr>
-        <a:solidFill>
-          <a:srgbClr val="EEEEFE"/>
-        </a:solidFill>
-      </p:bgPr>
-    </p:bg>
-    <p:spTree>
-      <p:nvGrpSpPr>
-        <p:cNvPr id="1" name=""/>
-        <p:cNvGrpSpPr/>
-        <p:nvPr/>
-      </p:nvGrpSpPr>
-      <p:grpSpPr>
-        <a:xfrm>
-          <a:off x="0" y="0"/>
-          <a:ext cx="0" cy="0"/>
-          <a:chOff x="0" y="0"/>
-          <a:chExt cx="0" cy="0"/>
-        </a:xfrm>
-      </p:grpSpPr>
-      <p:sp>
-        <p:nvSpPr>
-          <p:cNvPr name="Freeform 2" id="2"/>
-          <p:cNvSpPr/>
-          <p:nvPr/>
-        </p:nvSpPr>
-        <p:spPr>
-          <a:xfrm flipH="false" flipV="false" rot="-6399961">
-            <a:off x="11329998" y="-1574727"/>
-            <a:ext cx="13805122" cy="17698875"/>
-          </a:xfrm>
-          <a:custGeom>
-            <a:avLst/>
-            <a:gdLst/>
-            <a:ahLst/>
-            <a:cxnLst/>
-            <a:rect r="r" b="b" t="t" l="l"/>
-            <a:pathLst>
-              <a:path h="17698875" w="13805122">
-                <a:moveTo>
-                  <a:pt x="0" y="0"/>
-                </a:moveTo>
-                <a:lnTo>
-                  <a:pt x="13805122" y="0"/>
-                </a:lnTo>
-                <a:lnTo>
-                  <a:pt x="13805122" y="17698875"/>
-                </a:lnTo>
-                <a:lnTo>
-                  <a:pt x="0" y="17698875"/>
-                </a:lnTo>
-                <a:lnTo>
-                  <a:pt x="0" y="0"/>
-                </a:lnTo>
-                <a:close/>
-              </a:path>
-            </a:pathLst>
-          </a:custGeom>
-          <a:blipFill>
-            <a:blip r:embed="rId2">
-              <a:extLst>
-                <a:ext uri="{96DAC541-7B7A-43D3-8B79-37D633B846F1}">
-                  <asvg:svgBlip xmlns:asvg="http://schemas.microsoft.com/office/drawing/2016/SVG/main" r:embed="rId3"/>
-                </a:ext>
-              </a:extLst>
-            </a:blip>
-            <a:stretch>
-              <a:fillRect l="0" t="0" r="0" b="0"/>
-            </a:stretch>
-          </a:blipFill>
-          <a:ln cap="sq">
-            <a:noFill/>
-            <a:prstDash val="solid"/>
-            <a:miter/>
-          </a:ln>
-        </p:spPr>
-      </p:sp>
-      <p:sp>
-        <p:nvSpPr>
-          <p:cNvPr name="TextBox 3" id="3"/>
-          <p:cNvSpPr txBox="true"/>
-          <p:nvPr/>
-        </p:nvSpPr>
-        <p:spPr>
-          <a:xfrm rot="0">
-            <a:off x="2130732" y="3952647"/>
-            <a:ext cx="9579692" cy="4386300"/>
-          </a:xfrm>
-          <a:prstGeom prst="rect">
-            <a:avLst/>
-          </a:prstGeom>
-        </p:spPr>
-        <p:txBody>
-          <a:bodyPr anchor="t" rtlCol="false" tIns="0" lIns="0" bIns="0" rIns="0">
-            <a:spAutoFit/>
-          </a:bodyPr>
-          <a:lstStyle/>
-          <a:p>
-            <a:pPr algn="just">
-              <a:lnSpc>
-                <a:spcPts val="4985"/>
-              </a:lnSpc>
-            </a:pPr>
-            <a:r>
-              <a:rPr lang="en-US" sz="3561" spc="78">
-                <a:solidFill>
-                  <a:srgbClr val="29458E"/>
-                </a:solidFill>
-                <a:latin typeface="Glacial Indifference"/>
-                <a:ea typeface="Glacial Indifference"/>
-                <a:cs typeface="Glacial Indifference"/>
-                <a:sym typeface="Glacial Indifference"/>
-              </a:rPr>
-              <a:t>Con tod</a:t>
-            </a:r>
-            <a:r>
-              <a:rPr lang="en-US" sz="3561" spc="78" strike="noStrike" u="none">
-                <a:solidFill>
-                  <a:srgbClr val="29458E"/>
-                </a:solidFill>
-                <a:latin typeface="Glacial Indifference"/>
-                <a:ea typeface="Glacial Indifference"/>
-                <a:cs typeface="Glacial Indifference"/>
-                <a:sym typeface="Glacial Indifference"/>
-              </a:rPr>
-              <a:t>o lo mencionado anteriormente esperamos que haya podido quedar claro lo que buscamos crear como equipo, estamos seguros de que con esta solución podremos arreglar la problemática que actualmente tiene la compañía y poder mejorar su desempeño.</a:t>
-            </a:r>
-          </a:p>
-        </p:txBody>
-      </p:sp>
-      <p:sp>
-        <p:nvSpPr>
-          <p:cNvPr name="TextBox 4" id="4"/>
-          <p:cNvSpPr txBox="true"/>
-          <p:nvPr/>
-        </p:nvSpPr>
-        <p:spPr>
-          <a:xfrm rot="0">
-            <a:off x="1828022" y="2444870"/>
-            <a:ext cx="8324690" cy="1259324"/>
-          </a:xfrm>
-          <a:prstGeom prst="rect">
-            <a:avLst/>
-          </a:prstGeom>
-        </p:spPr>
-        <p:txBody>
-          <a:bodyPr anchor="t" rtlCol="false" tIns="0" lIns="0" bIns="0" rIns="0">
-            <a:spAutoFit/>
-          </a:bodyPr>
-          <a:lstStyle/>
-          <a:p>
-            <a:pPr algn="l">
-              <a:lnSpc>
-                <a:spcPts val="10258"/>
-              </a:lnSpc>
-            </a:pPr>
-            <a:r>
-              <a:rPr lang="en-US" b="true" sz="7327" spc="688">
-                <a:solidFill>
-                  <a:srgbClr val="29458E"/>
-                </a:solidFill>
-                <a:latin typeface="Glacial Indifference Bold"/>
-                <a:ea typeface="Glacial Indifference Bold"/>
-                <a:cs typeface="Glacial Indifference Bold"/>
-                <a:sym typeface="Glacial Indifference Bold"/>
-              </a:rPr>
-              <a:t>CONCLUSIÓN</a:t>
-            </a:r>
-          </a:p>
-        </p:txBody>
-      </p:sp>
-      <p:sp>
-        <p:nvSpPr>
-          <p:cNvPr name="Freeform 5" id="5"/>
-          <p:cNvSpPr/>
-          <p:nvPr/>
-        </p:nvSpPr>
-        <p:spPr>
-          <a:xfrm flipH="false" flipV="false" rot="4114121">
-            <a:off x="14231721" y="4747968"/>
-            <a:ext cx="5168085" cy="4951965"/>
-          </a:xfrm>
-          <a:custGeom>
-            <a:avLst/>
-            <a:gdLst/>
-            <a:ahLst/>
-            <a:cxnLst/>
-            <a:rect r="r" b="b" t="t" l="l"/>
-            <a:pathLst>
-              <a:path h="4951965" w="5168085">
-                <a:moveTo>
-                  <a:pt x="0" y="0"/>
-                </a:moveTo>
-                <a:lnTo>
-                  <a:pt x="5168084" y="0"/>
-                </a:lnTo>
-                <a:lnTo>
-                  <a:pt x="5168084" y="4951964"/>
-                </a:lnTo>
-                <a:lnTo>
-                  <a:pt x="0" y="4951964"/>
-                </a:lnTo>
-                <a:lnTo>
-                  <a:pt x="0" y="0"/>
-                </a:lnTo>
-                <a:close/>
-              </a:path>
-            </a:pathLst>
-          </a:custGeom>
-          <a:blipFill>
-            <a:blip r:embed="rId4">
-              <a:extLst>
-                <a:ext uri="{96DAC541-7B7A-43D3-8B79-37D633B846F1}">
-                  <asvg:svgBlip xmlns:asvg="http://schemas.microsoft.com/office/drawing/2016/SVG/main" r:embed="rId5"/>
-                </a:ext>
-              </a:extLst>
-            </a:blip>
-            <a:stretch>
-              <a:fillRect l="0" t="0" r="0" b="0"/>
-            </a:stretch>
-          </a:blipFill>
-          <a:ln cap="sq">
-            <a:noFill/>
-            <a:prstDash val="solid"/>
-            <a:miter/>
-          </a:ln>
-        </p:spPr>
-      </p:sp>
-      <p:sp>
-        <p:nvSpPr>
-          <p:cNvPr name="Freeform 6" id="6"/>
-          <p:cNvSpPr/>
-          <p:nvPr/>
-        </p:nvSpPr>
-        <p:spPr>
-          <a:xfrm flipH="false" flipV="false" rot="-6783424">
-            <a:off x="13751059" y="7795098"/>
-            <a:ext cx="3086494" cy="2957423"/>
-          </a:xfrm>
-          <a:custGeom>
-            <a:avLst/>
-            <a:gdLst/>
-            <a:ahLst/>
-            <a:cxnLst/>
-            <a:rect r="r" b="b" t="t" l="l"/>
-            <a:pathLst>
-              <a:path h="2957423" w="3086494">
-                <a:moveTo>
-                  <a:pt x="0" y="0"/>
-                </a:moveTo>
-                <a:lnTo>
-                  <a:pt x="3086494" y="0"/>
-                </a:lnTo>
-                <a:lnTo>
-                  <a:pt x="3086494" y="2957423"/>
-                </a:lnTo>
-                <a:lnTo>
-                  <a:pt x="0" y="2957423"/>
-                </a:lnTo>
-                <a:lnTo>
-                  <a:pt x="0" y="0"/>
-                </a:lnTo>
-                <a:close/>
-              </a:path>
-            </a:pathLst>
-          </a:custGeom>
-          <a:blipFill>
-            <a:blip r:embed="rId4">
-              <a:extLst>
-                <a:ext uri="{96DAC541-7B7A-43D3-8B79-37D633B846F1}">
-                  <asvg:svgBlip xmlns:asvg="http://schemas.microsoft.com/office/drawing/2016/SVG/main" r:embed="rId5"/>
-                </a:ext>
-              </a:extLst>
-            </a:blip>
-            <a:stretch>
-              <a:fillRect l="0" t="0" r="0" b="0"/>
-            </a:stretch>
-          </a:blipFill>
-          <a:ln cap="sq">
-            <a:noFill/>
-            <a:prstDash val="solid"/>
-            <a:miter/>
-          </a:ln>
-        </p:spPr>
-      </p:sp>
-      <p:sp>
-        <p:nvSpPr>
-          <p:cNvPr name="AutoShape 7" id="7"/>
-          <p:cNvSpPr/>
-          <p:nvPr/>
-        </p:nvSpPr>
-        <p:spPr>
-          <a:xfrm flipV="true">
-            <a:off x="1828022" y="4028847"/>
-            <a:ext cx="0" cy="1470758"/>
-          </a:xfrm>
-          <a:prstGeom prst="line">
-            <a:avLst/>
-          </a:prstGeom>
-          <a:ln cap="flat" w="76200">
-            <a:solidFill>
-              <a:srgbClr val="29458E"/>
-            </a:solidFill>
-            <a:prstDash val="solid"/>
-            <a:headEnd type="none" len="sm" w="sm"/>
-            <a:tailEnd type="none" len="sm" w="sm"/>
-          </a:ln>
-        </p:spPr>
-      </p:sp>
-      <p:sp>
-        <p:nvSpPr>
-          <p:cNvPr name="Freeform 8" id="8"/>
-          <p:cNvSpPr/>
-          <p:nvPr/>
-        </p:nvSpPr>
-        <p:spPr>
-          <a:xfrm flipH="false" flipV="false" rot="659918">
-            <a:off x="-165526" y="-2972297"/>
-            <a:ext cx="7352818" cy="6871543"/>
-          </a:xfrm>
-          <a:custGeom>
-            <a:avLst/>
-            <a:gdLst/>
-            <a:ahLst/>
-            <a:cxnLst/>
-            <a:rect r="r" b="b" t="t" l="l"/>
-            <a:pathLst>
-              <a:path h="6871543" w="7352818">
-                <a:moveTo>
-                  <a:pt x="0" y="0"/>
-                </a:moveTo>
-                <a:lnTo>
-                  <a:pt x="7352819" y="0"/>
-                </a:lnTo>
-                <a:lnTo>
-                  <a:pt x="7352819" y="6871543"/>
-                </a:lnTo>
-                <a:lnTo>
-                  <a:pt x="0" y="6871543"/>
-                </a:lnTo>
-                <a:lnTo>
-                  <a:pt x="0" y="0"/>
-                </a:lnTo>
-                <a:close/>
-              </a:path>
-            </a:pathLst>
-          </a:custGeom>
-          <a:blipFill>
-            <a:blip r:embed="rId6">
-              <a:extLst>
-                <a:ext uri="{96DAC541-7B7A-43D3-8B79-37D633B846F1}">
-                  <asvg:svgBlip xmlns:asvg="http://schemas.microsoft.com/office/drawing/2016/SVG/main" r:embed="rId7"/>
-                </a:ext>
-              </a:extLst>
-            </a:blip>
-            <a:stretch>
-              <a:fillRect l="0" t="0" r="0" b="0"/>
-            </a:stretch>
-          </a:blipFill>
-          <a:ln cap="sq">
-            <a:noFill/>
-            <a:prstDash val="solid"/>
-            <a:miter/>
-          </a:ln>
-        </p:spPr>
-      </p:sp>
     </p:spTree>
   </p:cSld>
   <p:clrMapOvr>
@@ -4944,7 +3951,7 @@
 </p:sld>
 </file>
 
-<file path=ppt/slides/slide14.xml><?xml version="1.0" encoding="utf-8"?>
+<file path=ppt/slides/slide11.xml><?xml version="1.0" encoding="utf-8"?>
 <p:sld xmlns:p="http://schemas.openxmlformats.org/presentationml/2006/main" xmlns:a="http://schemas.openxmlformats.org/drawingml/2006/main" xmlns:r="http://schemas.openxmlformats.org/officeDocument/2006/relationships">
   <p:cSld>
     <p:bg>
@@ -5453,7 +4460,7 @@
         <p:spPr>
           <a:xfrm rot="0">
             <a:off x="2344704" y="3600391"/>
-            <a:ext cx="7968415" cy="4856240"/>
+            <a:ext cx="7968415" cy="3027440"/>
           </a:xfrm>
           <a:prstGeom prst="rect">
             <a:avLst/>
@@ -5503,7 +4510,7 @@
                 <a:cs typeface="Montaser Arabic"/>
                 <a:sym typeface="Montaser Arabic"/>
               </a:rPr>
-              <a:t>Roadmap</a:t>
+              <a:t>Objetivos</a:t>
             </a:r>
           </a:p>
           <a:p>
@@ -5524,7 +4531,7 @@
                 <a:cs typeface="Montaser Arabic"/>
                 <a:sym typeface="Montaser Arabic"/>
               </a:rPr>
-              <a:t>Avance esperado</a:t>
+              <a:t>Módulos</a:t>
             </a:r>
           </a:p>
           <a:p>
@@ -5545,70 +4552,7 @@
                 <a:cs typeface="Montaser Arabic"/>
                 <a:sym typeface="Montaser Arabic"/>
               </a:rPr>
-              <a:t>Avance logrado</a:t>
-            </a:r>
-          </a:p>
-          <a:p>
-            <a:pPr algn="l" marL="741495" indent="-370748" lvl="1">
-              <a:lnSpc>
-                <a:spcPts val="4808"/>
-              </a:lnSpc>
-              <a:buFont typeface="Arial"/>
-              <a:buChar char="•"/>
-            </a:pPr>
-            <a:r>
-              <a:rPr lang="en-US" sz="3434" spc="75" strike="noStrike" u="none">
-                <a:solidFill>
-                  <a:srgbClr val="29458E"/>
-                </a:solidFill>
-                <a:latin typeface="Montaser Arabic"/>
-                <a:ea typeface="Montaser Arabic"/>
-                <a:cs typeface="Montaser Arabic"/>
-                <a:sym typeface="Montaser Arabic"/>
-              </a:rPr>
-              <a:t>Mockups</a:t>
-            </a:r>
-          </a:p>
-          <a:p>
-            <a:pPr algn="l" marL="741495" indent="-370748" lvl="1">
-              <a:lnSpc>
-                <a:spcPts val="4808"/>
-              </a:lnSpc>
-              <a:buFont typeface="Arial"/>
-              <a:buChar char="•"/>
-            </a:pPr>
-            <a:r>
-              <a:rPr lang="en-US" sz="3434" spc="75" strike="noStrike" u="none">
-                <a:solidFill>
-                  <a:srgbClr val="29458E"/>
-                </a:solidFill>
-                <a:latin typeface="Montaser Arabic"/>
-                <a:ea typeface="Montaser Arabic"/>
-                <a:cs typeface="Montaser Arabic"/>
-                <a:sym typeface="Montaser Arabic"/>
-              </a:rPr>
-              <a:t>Correcciones </a:t>
-            </a:r>
-          </a:p>
-          <a:p>
-            <a:pPr algn="l" marL="741495" indent="-370748" lvl="1">
-              <a:lnSpc>
-                <a:spcPts val="4808"/>
-              </a:lnSpc>
-              <a:buFont typeface="Arial"/>
-              <a:buChar char="•"/>
-            </a:pPr>
-            <a:r>
-              <a:rPr lang="en-US" sz="3434" spc="75" strike="noStrike" u="none">
-                <a:solidFill>
-                  <a:srgbClr val="29458E"/>
-                </a:solidFill>
-                <a:latin typeface="Montaser Arabic"/>
-                <a:ea typeface="Montaser Arabic"/>
-                <a:cs typeface="Montaser Arabic"/>
-                <a:sym typeface="Montaser Arabic"/>
-              </a:rPr>
-              <a:t>Conclusiones</a:t>
+              <a:t>Conclusión</a:t>
             </a:r>
           </a:p>
           <a:p>
@@ -5643,7 +4587,7 @@
         <p:spPr>
           <a:xfrm rot="0">
             <a:off x="10654337" y="3600391"/>
-            <a:ext cx="888705" cy="4856240"/>
+            <a:ext cx="888705" cy="3027440"/>
           </a:xfrm>
           <a:prstGeom prst="rect">
             <a:avLst/>
@@ -5727,14 +4671,17 @@
                 <a:cs typeface="Montaser Arabic Bold"/>
                 <a:sym typeface="Montaser Arabic Bold"/>
               </a:rPr>
-              <a:t>06</a:t>
-            </a:r>
-          </a:p>
-          <a:p>
-            <a:pPr algn="ctr">
+              <a:t>10</a:t>
+            </a:r>
+          </a:p>
+          <a:p>
+            <a:pPr algn="ctr" marL="0" indent="0" lvl="0">
               <a:lnSpc>
                 <a:spcPts val="4808"/>
               </a:lnSpc>
+              <a:spcBef>
+                <a:spcPct val="0"/>
+              </a:spcBef>
             </a:pPr>
             <a:r>
               <a:rPr lang="en-US" b="true" sz="3434" spc="75">
@@ -5746,67 +4693,7 @@
                 <a:cs typeface="Montaser Arabic Bold"/>
                 <a:sym typeface="Montaser Arabic Bold"/>
               </a:rPr>
-              <a:t>07</a:t>
-            </a:r>
-          </a:p>
-          <a:p>
-            <a:pPr algn="ctr">
-              <a:lnSpc>
-                <a:spcPts val="4808"/>
-              </a:lnSpc>
-            </a:pPr>
-            <a:r>
-              <a:rPr lang="en-US" sz="3434" spc="75">
-                <a:solidFill>
-                  <a:srgbClr val="29458E"/>
-                </a:solidFill>
-                <a:latin typeface="Montaser Arabic"/>
-                <a:ea typeface="Montaser Arabic"/>
-                <a:cs typeface="Montaser Arabic"/>
-                <a:sym typeface="Montaser Arabic"/>
-              </a:rPr>
               <a:t>11</a:t>
-            </a:r>
-          </a:p>
-          <a:p>
-            <a:pPr algn="ctr">
-              <a:lnSpc>
-                <a:spcPts val="4808"/>
-              </a:lnSpc>
-            </a:pPr>
-            <a:r>
-              <a:rPr lang="en-US" sz="3434" spc="75">
-                <a:solidFill>
-                  <a:srgbClr val="29458E"/>
-                </a:solidFill>
-                <a:latin typeface="Montaser Arabic"/>
-                <a:ea typeface="Montaser Arabic"/>
-                <a:cs typeface="Montaser Arabic"/>
-                <a:sym typeface="Montaser Arabic"/>
-              </a:rPr>
-              <a:t>12</a:t>
-            </a:r>
-          </a:p>
-          <a:p>
-            <a:pPr algn="ctr" marL="0" indent="0" lvl="0">
-              <a:lnSpc>
-                <a:spcPts val="4808"/>
-              </a:lnSpc>
-              <a:spcBef>
-                <a:spcPct val="0"/>
-              </a:spcBef>
-            </a:pPr>
-            <a:r>
-              <a:rPr lang="en-US" b="true" sz="3434" spc="75">
-                <a:solidFill>
-                  <a:srgbClr val="29458E"/>
-                </a:solidFill>
-                <a:latin typeface="Montaser Arabic Bold"/>
-                <a:ea typeface="Montaser Arabic Bold"/>
-                <a:cs typeface="Montaser Arabic Bold"/>
-                <a:sym typeface="Montaser Arabic Bold"/>
-              </a:rPr>
-              <a:t>13</a:t>
             </a:r>
           </a:p>
         </p:txBody>
@@ -6531,8 +5418,8 @@
         </p:nvSpPr>
         <p:spPr>
           <a:xfrm rot="0">
-            <a:off x="4981655" y="4445981"/>
-            <a:ext cx="8324690" cy="1252164"/>
+            <a:off x="1028700" y="885825"/>
+            <a:ext cx="8324690" cy="1259324"/>
           </a:xfrm>
           <a:prstGeom prst="rect">
             <a:avLst/>
@@ -6544,7 +5431,7 @@
           </a:bodyPr>
           <a:lstStyle/>
           <a:p>
-            <a:pPr algn="ctr">
+            <a:pPr algn="l">
               <a:lnSpc>
                 <a:spcPts val="10258"/>
               </a:lnSpc>
@@ -6559,10 +5446,288 @@
                 <a:cs typeface="Glacial Indifference Bold"/>
                 <a:sym typeface="Glacial Indifference Bold"/>
               </a:rPr>
-              <a:t>ROADMAP</a:t>
-            </a:r>
-          </a:p>
-        </p:txBody>
+              <a:t>OBJETIVOS</a:t>
+            </a:r>
+          </a:p>
+        </p:txBody>
+      </p:sp>
+      <p:sp>
+        <p:nvSpPr>
+          <p:cNvPr name="TextBox 8" id="8"/>
+          <p:cNvSpPr txBox="true"/>
+          <p:nvPr/>
+        </p:nvSpPr>
+        <p:spPr>
+          <a:xfrm rot="0">
+            <a:off x="6760457" y="6765648"/>
+            <a:ext cx="8807206" cy="2184273"/>
+          </a:xfrm>
+          <a:prstGeom prst="rect">
+            <a:avLst/>
+          </a:prstGeom>
+        </p:spPr>
+        <p:txBody>
+          <a:bodyPr anchor="t" rtlCol="false" tIns="0" lIns="0" bIns="0" rIns="0">
+            <a:spAutoFit/>
+          </a:bodyPr>
+          <a:lstStyle/>
+          <a:p>
+            <a:pPr algn="just" marL="518160" indent="-259080" lvl="1">
+              <a:lnSpc>
+                <a:spcPts val="2856"/>
+              </a:lnSpc>
+              <a:buAutoNum type="arabicPeriod" startAt="1"/>
+            </a:pPr>
+            <a:r>
+              <a:rPr lang="en-US" sz="2400">
+                <a:solidFill>
+                  <a:srgbClr val="29458E"/>
+                </a:solidFill>
+                <a:latin typeface="Glacial Indifference"/>
+                <a:ea typeface="Glacial Indifference"/>
+                <a:cs typeface="Glacial Indifference"/>
+                <a:sym typeface="Glacial Indifference"/>
+              </a:rPr>
+              <a:t>Facilitar la programación e ingreso de vehículos</a:t>
+            </a:r>
+          </a:p>
+          <a:p>
+            <a:pPr algn="just" marL="518160" indent="-259080" lvl="1">
+              <a:lnSpc>
+                <a:spcPts val="2856"/>
+              </a:lnSpc>
+              <a:buAutoNum type="arabicPeriod" startAt="1"/>
+            </a:pPr>
+            <a:r>
+              <a:rPr lang="en-US" sz="2400">
+                <a:solidFill>
+                  <a:srgbClr val="29458E"/>
+                </a:solidFill>
+                <a:latin typeface="Glacial Indifference"/>
+                <a:ea typeface="Glacial Indifference"/>
+                <a:cs typeface="Glacial Indifference"/>
+                <a:sym typeface="Glacial Indifference"/>
+              </a:rPr>
+              <a:t>Permitir la gestión en tiempo real y las pausas del proceso</a:t>
+            </a:r>
+          </a:p>
+          <a:p>
+            <a:pPr algn="just" marL="518160" indent="-259080" lvl="1">
+              <a:lnSpc>
+                <a:spcPts val="2856"/>
+              </a:lnSpc>
+              <a:buAutoNum type="arabicPeriod" startAt="1"/>
+            </a:pPr>
+            <a:r>
+              <a:rPr lang="en-US" sz="2400">
+                <a:solidFill>
+                  <a:srgbClr val="29458E"/>
+                </a:solidFill>
+                <a:latin typeface="Glacial Indifference"/>
+                <a:ea typeface="Glacial Indifference"/>
+                <a:cs typeface="Glacial Indifference"/>
+                <a:sym typeface="Glacial Indifference"/>
+              </a:rPr>
+              <a:t>Integrar la comunicación y documentos en una sola plataforma </a:t>
+            </a:r>
+          </a:p>
+          <a:p>
+            <a:pPr algn="just" marL="518160" indent="-259080" lvl="1">
+              <a:lnSpc>
+                <a:spcPts val="2856"/>
+              </a:lnSpc>
+              <a:buAutoNum type="arabicPeriod" startAt="1"/>
+            </a:pPr>
+            <a:r>
+              <a:rPr lang="en-US" sz="2400">
+                <a:solidFill>
+                  <a:srgbClr val="29458E"/>
+                </a:solidFill>
+                <a:latin typeface="Glacial Indifference"/>
+                <a:ea typeface="Glacial Indifference"/>
+                <a:cs typeface="Glacial Indifference"/>
+                <a:sym typeface="Glacial Indifference"/>
+              </a:rPr>
+              <a:t>Generar reportes auto para toma de decisiones </a:t>
+            </a:r>
+          </a:p>
+          <a:p>
+            <a:pPr algn="just" marL="518160" indent="-259080" lvl="1">
+              <a:lnSpc>
+                <a:spcPts val="2856"/>
+              </a:lnSpc>
+              <a:buAutoNum type="arabicPeriod" startAt="1"/>
+            </a:pPr>
+            <a:r>
+              <a:rPr lang="en-US" sz="2400">
+                <a:solidFill>
+                  <a:srgbClr val="29458E"/>
+                </a:solidFill>
+                <a:latin typeface="Glacial Indifference"/>
+                <a:ea typeface="Glacial Indifference"/>
+                <a:cs typeface="Glacial Indifference"/>
+                <a:sym typeface="Glacial Indifference"/>
+              </a:rPr>
+              <a:t>Crear perfiles de usuarios con perfiles diferenciados y generar notificaciones en la plataforma</a:t>
+            </a:r>
+          </a:p>
+        </p:txBody>
+      </p:sp>
+      <p:sp>
+        <p:nvSpPr>
+          <p:cNvPr name="TextBox 9" id="9"/>
+          <p:cNvSpPr txBox="true"/>
+          <p:nvPr/>
+        </p:nvSpPr>
+        <p:spPr>
+          <a:xfrm rot="0">
+            <a:off x="6763545" y="5571559"/>
+            <a:ext cx="4981683" cy="962660"/>
+          </a:xfrm>
+          <a:prstGeom prst="rect">
+            <a:avLst/>
+          </a:prstGeom>
+        </p:spPr>
+        <p:txBody>
+          <a:bodyPr anchor="t" rtlCol="false" tIns="0" lIns="0" bIns="0" rIns="0">
+            <a:spAutoFit/>
+          </a:bodyPr>
+          <a:lstStyle/>
+          <a:p>
+            <a:pPr algn="ctr">
+              <a:lnSpc>
+                <a:spcPts val="7840"/>
+              </a:lnSpc>
+              <a:spcBef>
+                <a:spcPct val="0"/>
+              </a:spcBef>
+            </a:pPr>
+            <a:r>
+              <a:rPr lang="en-US" sz="5600" i="true" spc="526">
+                <a:solidFill>
+                  <a:srgbClr val="8B9ECF"/>
+                </a:solidFill>
+                <a:latin typeface="Glacial Indifference Italics"/>
+                <a:ea typeface="Glacial Indifference Italics"/>
+                <a:cs typeface="Glacial Indifference Italics"/>
+                <a:sym typeface="Glacial Indifference Italics"/>
+              </a:rPr>
+              <a:t>ESPECIFICOS</a:t>
+            </a:r>
+          </a:p>
+        </p:txBody>
+      </p:sp>
+      <p:sp>
+        <p:nvSpPr>
+          <p:cNvPr name="TextBox 10" id="10"/>
+          <p:cNvSpPr txBox="true"/>
+          <p:nvPr/>
+        </p:nvSpPr>
+        <p:spPr>
+          <a:xfrm rot="0">
+            <a:off x="3139144" y="2795685"/>
+            <a:ext cx="3621286" cy="962660"/>
+          </a:xfrm>
+          <a:prstGeom prst="rect">
+            <a:avLst/>
+          </a:prstGeom>
+        </p:spPr>
+        <p:txBody>
+          <a:bodyPr anchor="t" rtlCol="false" tIns="0" lIns="0" bIns="0" rIns="0">
+            <a:spAutoFit/>
+          </a:bodyPr>
+          <a:lstStyle/>
+          <a:p>
+            <a:pPr algn="ctr">
+              <a:lnSpc>
+                <a:spcPts val="7840"/>
+              </a:lnSpc>
+              <a:spcBef>
+                <a:spcPct val="0"/>
+              </a:spcBef>
+            </a:pPr>
+            <a:r>
+              <a:rPr lang="en-US" sz="5600" i="true" spc="526">
+                <a:solidFill>
+                  <a:srgbClr val="8B9ECF"/>
+                </a:solidFill>
+                <a:latin typeface="Glacial Indifference Italics"/>
+                <a:ea typeface="Glacial Indifference Italics"/>
+                <a:cs typeface="Glacial Indifference Italics"/>
+                <a:sym typeface="Glacial Indifference Italics"/>
+              </a:rPr>
+              <a:t>GENERAL </a:t>
+            </a:r>
+          </a:p>
+        </p:txBody>
+      </p:sp>
+      <p:sp>
+        <p:nvSpPr>
+          <p:cNvPr name="TextBox 11" id="11"/>
+          <p:cNvSpPr txBox="true"/>
+          <p:nvPr/>
+        </p:nvSpPr>
+        <p:spPr>
+          <a:xfrm rot="0">
+            <a:off x="3048747" y="3939320"/>
+            <a:ext cx="8807206" cy="1253490"/>
+          </a:xfrm>
+          <a:prstGeom prst="rect">
+            <a:avLst/>
+          </a:prstGeom>
+        </p:spPr>
+        <p:txBody>
+          <a:bodyPr anchor="t" rtlCol="false" tIns="0" lIns="0" bIns="0" rIns="0">
+            <a:spAutoFit/>
+          </a:bodyPr>
+          <a:lstStyle/>
+          <a:p>
+            <a:pPr algn="l">
+              <a:lnSpc>
+                <a:spcPts val="3359"/>
+              </a:lnSpc>
+              <a:spcBef>
+                <a:spcPct val="0"/>
+              </a:spcBef>
+            </a:pPr>
+            <a:r>
+              <a:rPr lang="en-US" sz="2400" spc="225">
+                <a:solidFill>
+                  <a:srgbClr val="29458E"/>
+                </a:solidFill>
+                <a:latin typeface="Glacial Indifference"/>
+                <a:ea typeface="Glacial Indifference"/>
+                <a:cs typeface="Glacial Indifference"/>
+                <a:sym typeface="Glacial Indifference"/>
+              </a:rPr>
+              <a:t>Desarrollar plataforma tecnológica que gestione la logística mejorando tiempo, comunicación y la trazabilidad de la información entre los usuarios</a:t>
+            </a:r>
+          </a:p>
+        </p:txBody>
+      </p:sp>
+      <p:sp>
+        <p:nvSpPr>
+          <p:cNvPr name="AutoShape 12" id="12"/>
+          <p:cNvSpPr/>
+          <p:nvPr/>
+        </p:nvSpPr>
+        <p:spPr>
+          <a:xfrm flipV="true">
+            <a:off x="2826397" y="3996470"/>
+            <a:ext cx="0" cy="1207072"/>
+          </a:xfrm>
+          <a:prstGeom prst="line">
+            <a:avLst/>
+          </a:prstGeom>
+          <a:ln cap="flat" w="57150">
+            <a:solidFill>
+              <a:srgbClr val="29458E"/>
+            </a:solidFill>
+            <a:prstDash val="solid"/>
+            <a:headEnd type="none" len="sm" w="sm"/>
+            <a:tailEnd type="none" len="sm" w="sm"/>
+          </a:ln>
+        </p:spPr>
       </p:sp>
     </p:spTree>
   </p:cSld>
@@ -6887,8 +6052,8 @@
         </p:nvSpPr>
         <p:spPr>
           <a:xfrm rot="0">
-            <a:off x="1028700" y="885825"/>
-            <a:ext cx="8324690" cy="1259324"/>
+            <a:off x="4981655" y="4445981"/>
+            <a:ext cx="8324690" cy="1252164"/>
           </a:xfrm>
           <a:prstGeom prst="rect">
             <a:avLst/>
@@ -6900,7 +6065,7 @@
           </a:bodyPr>
           <a:lstStyle/>
           <a:p>
-            <a:pPr algn="l">
+            <a:pPr algn="ctr">
               <a:lnSpc>
                 <a:spcPts val="10258"/>
               </a:lnSpc>
@@ -6915,288 +6080,10 @@
                 <a:cs typeface="Glacial Indifference Bold"/>
                 <a:sym typeface="Glacial Indifference Bold"/>
               </a:rPr>
-              <a:t>OBJETIVOS</a:t>
-            </a:r>
-          </a:p>
-        </p:txBody>
-      </p:sp>
-      <p:sp>
-        <p:nvSpPr>
-          <p:cNvPr name="TextBox 8" id="8"/>
-          <p:cNvSpPr txBox="true"/>
-          <p:nvPr/>
-        </p:nvSpPr>
-        <p:spPr>
-          <a:xfrm rot="0">
-            <a:off x="6760457" y="6765648"/>
-            <a:ext cx="8807206" cy="2184273"/>
-          </a:xfrm>
-          <a:prstGeom prst="rect">
-            <a:avLst/>
-          </a:prstGeom>
-        </p:spPr>
-        <p:txBody>
-          <a:bodyPr anchor="t" rtlCol="false" tIns="0" lIns="0" bIns="0" rIns="0">
-            <a:spAutoFit/>
-          </a:bodyPr>
-          <a:lstStyle/>
-          <a:p>
-            <a:pPr algn="just" marL="518160" indent="-259080" lvl="1">
-              <a:lnSpc>
-                <a:spcPts val="2856"/>
-              </a:lnSpc>
-              <a:buAutoNum type="arabicPeriod" startAt="1"/>
-            </a:pPr>
-            <a:r>
-              <a:rPr lang="en-US" sz="2400">
-                <a:solidFill>
-                  <a:srgbClr val="29458E"/>
-                </a:solidFill>
-                <a:latin typeface="Glacial Indifference"/>
-                <a:ea typeface="Glacial Indifference"/>
-                <a:cs typeface="Glacial Indifference"/>
-                <a:sym typeface="Glacial Indifference"/>
-              </a:rPr>
-              <a:t>Facilitar la programación e ingreso de vehículos</a:t>
-            </a:r>
-          </a:p>
-          <a:p>
-            <a:pPr algn="just" marL="518160" indent="-259080" lvl="1">
-              <a:lnSpc>
-                <a:spcPts val="2856"/>
-              </a:lnSpc>
-              <a:buAutoNum type="arabicPeriod" startAt="1"/>
-            </a:pPr>
-            <a:r>
-              <a:rPr lang="en-US" sz="2400">
-                <a:solidFill>
-                  <a:srgbClr val="29458E"/>
-                </a:solidFill>
-                <a:latin typeface="Glacial Indifference"/>
-                <a:ea typeface="Glacial Indifference"/>
-                <a:cs typeface="Glacial Indifference"/>
-                <a:sym typeface="Glacial Indifference"/>
-              </a:rPr>
-              <a:t>Permitir la gestión en tiempo real y las pausas del proceso</a:t>
-            </a:r>
-          </a:p>
-          <a:p>
-            <a:pPr algn="just" marL="518160" indent="-259080" lvl="1">
-              <a:lnSpc>
-                <a:spcPts val="2856"/>
-              </a:lnSpc>
-              <a:buAutoNum type="arabicPeriod" startAt="1"/>
-            </a:pPr>
-            <a:r>
-              <a:rPr lang="en-US" sz="2400">
-                <a:solidFill>
-                  <a:srgbClr val="29458E"/>
-                </a:solidFill>
-                <a:latin typeface="Glacial Indifference"/>
-                <a:ea typeface="Glacial Indifference"/>
-                <a:cs typeface="Glacial Indifference"/>
-                <a:sym typeface="Glacial Indifference"/>
-              </a:rPr>
-              <a:t>Integrar la comunicación y documentos en una sola plataforma </a:t>
-            </a:r>
-          </a:p>
-          <a:p>
-            <a:pPr algn="just" marL="518160" indent="-259080" lvl="1">
-              <a:lnSpc>
-                <a:spcPts val="2856"/>
-              </a:lnSpc>
-              <a:buAutoNum type="arabicPeriod" startAt="1"/>
-            </a:pPr>
-            <a:r>
-              <a:rPr lang="en-US" sz="2400">
-                <a:solidFill>
-                  <a:srgbClr val="29458E"/>
-                </a:solidFill>
-                <a:latin typeface="Glacial Indifference"/>
-                <a:ea typeface="Glacial Indifference"/>
-                <a:cs typeface="Glacial Indifference"/>
-                <a:sym typeface="Glacial Indifference"/>
-              </a:rPr>
-              <a:t>Generar reportes auto para toma de decisiones </a:t>
-            </a:r>
-          </a:p>
-          <a:p>
-            <a:pPr algn="just" marL="518160" indent="-259080" lvl="1">
-              <a:lnSpc>
-                <a:spcPts val="2856"/>
-              </a:lnSpc>
-              <a:buAutoNum type="arabicPeriod" startAt="1"/>
-            </a:pPr>
-            <a:r>
-              <a:rPr lang="en-US" sz="2400">
-                <a:solidFill>
-                  <a:srgbClr val="29458E"/>
-                </a:solidFill>
-                <a:latin typeface="Glacial Indifference"/>
-                <a:ea typeface="Glacial Indifference"/>
-                <a:cs typeface="Glacial Indifference"/>
-                <a:sym typeface="Glacial Indifference"/>
-              </a:rPr>
-              <a:t>Crear perfiles de usuarios con perfiles diferenciados y generar notificaciones en la plataforma</a:t>
-            </a:r>
-          </a:p>
-        </p:txBody>
-      </p:sp>
-      <p:sp>
-        <p:nvSpPr>
-          <p:cNvPr name="TextBox 9" id="9"/>
-          <p:cNvSpPr txBox="true"/>
-          <p:nvPr/>
-        </p:nvSpPr>
-        <p:spPr>
-          <a:xfrm rot="0">
-            <a:off x="6763545" y="5571559"/>
-            <a:ext cx="4981683" cy="962660"/>
-          </a:xfrm>
-          <a:prstGeom prst="rect">
-            <a:avLst/>
-          </a:prstGeom>
-        </p:spPr>
-        <p:txBody>
-          <a:bodyPr anchor="t" rtlCol="false" tIns="0" lIns="0" bIns="0" rIns="0">
-            <a:spAutoFit/>
-          </a:bodyPr>
-          <a:lstStyle/>
-          <a:p>
-            <a:pPr algn="ctr">
-              <a:lnSpc>
-                <a:spcPts val="7840"/>
-              </a:lnSpc>
-              <a:spcBef>
-                <a:spcPct val="0"/>
-              </a:spcBef>
-            </a:pPr>
-            <a:r>
-              <a:rPr lang="en-US" sz="5600" i="true" spc="526">
-                <a:solidFill>
-                  <a:srgbClr val="8B9ECF"/>
-                </a:solidFill>
-                <a:latin typeface="Glacial Indifference Italics"/>
-                <a:ea typeface="Glacial Indifference Italics"/>
-                <a:cs typeface="Glacial Indifference Italics"/>
-                <a:sym typeface="Glacial Indifference Italics"/>
-              </a:rPr>
-              <a:t>ESPECIFICOS</a:t>
-            </a:r>
-          </a:p>
-        </p:txBody>
-      </p:sp>
-      <p:sp>
-        <p:nvSpPr>
-          <p:cNvPr name="TextBox 10" id="10"/>
-          <p:cNvSpPr txBox="true"/>
-          <p:nvPr/>
-        </p:nvSpPr>
-        <p:spPr>
-          <a:xfrm rot="0">
-            <a:off x="3139116" y="2795685"/>
-            <a:ext cx="3621340" cy="962660"/>
-          </a:xfrm>
-          <a:prstGeom prst="rect">
-            <a:avLst/>
-          </a:prstGeom>
-        </p:spPr>
-        <p:txBody>
-          <a:bodyPr anchor="t" rtlCol="false" tIns="0" lIns="0" bIns="0" rIns="0">
-            <a:spAutoFit/>
-          </a:bodyPr>
-          <a:lstStyle/>
-          <a:p>
-            <a:pPr algn="ctr">
-              <a:lnSpc>
-                <a:spcPts val="7840"/>
-              </a:lnSpc>
-              <a:spcBef>
-                <a:spcPct val="0"/>
-              </a:spcBef>
-            </a:pPr>
-            <a:r>
-              <a:rPr lang="en-US" sz="5600" i="true" spc="526">
-                <a:solidFill>
-                  <a:srgbClr val="8B9ECF"/>
-                </a:solidFill>
-                <a:latin typeface="Glacial Indifference Italics"/>
-                <a:ea typeface="Glacial Indifference Italics"/>
-                <a:cs typeface="Glacial Indifference Italics"/>
-                <a:sym typeface="Glacial Indifference Italics"/>
-              </a:rPr>
-              <a:t>GENERAL </a:t>
-            </a:r>
-          </a:p>
-        </p:txBody>
-      </p:sp>
-      <p:sp>
-        <p:nvSpPr>
-          <p:cNvPr name="TextBox 11" id="11"/>
-          <p:cNvSpPr txBox="true"/>
-          <p:nvPr/>
-        </p:nvSpPr>
-        <p:spPr>
-          <a:xfrm rot="0">
-            <a:off x="3139116" y="3939320"/>
-            <a:ext cx="8807206" cy="1253490"/>
-          </a:xfrm>
-          <a:prstGeom prst="rect">
-            <a:avLst/>
-          </a:prstGeom>
-        </p:spPr>
-        <p:txBody>
-          <a:bodyPr anchor="t" rtlCol="false" tIns="0" lIns="0" bIns="0" rIns="0">
-            <a:spAutoFit/>
-          </a:bodyPr>
-          <a:lstStyle/>
-          <a:p>
-            <a:pPr algn="l">
-              <a:lnSpc>
-                <a:spcPts val="3359"/>
-              </a:lnSpc>
-              <a:spcBef>
-                <a:spcPct val="0"/>
-              </a:spcBef>
-            </a:pPr>
-            <a:r>
-              <a:rPr lang="en-US" sz="2400" spc="225">
-                <a:solidFill>
-                  <a:srgbClr val="29458E"/>
-                </a:solidFill>
-                <a:latin typeface="Glacial Indifference"/>
-                <a:ea typeface="Glacial Indifference"/>
-                <a:cs typeface="Glacial Indifference"/>
-                <a:sym typeface="Glacial Indifference"/>
-              </a:rPr>
-              <a:t>Desarrollar plataforma tecnológica que gestione la logística mejorando tiempo, comunicación y la trazabilidad de la información entre los usuarios</a:t>
-            </a:r>
-          </a:p>
-        </p:txBody>
-      </p:sp>
-      <p:sp>
-        <p:nvSpPr>
-          <p:cNvPr name="AutoShape 12" id="12"/>
-          <p:cNvSpPr/>
-          <p:nvPr/>
-        </p:nvSpPr>
-        <p:spPr>
-          <a:xfrm flipV="true">
-            <a:off x="2826397" y="3996470"/>
-            <a:ext cx="0" cy="1207072"/>
-          </a:xfrm>
-          <a:prstGeom prst="line">
-            <a:avLst/>
-          </a:prstGeom>
-          <a:ln cap="flat" w="57150">
-            <a:solidFill>
-              <a:srgbClr val="29458E"/>
-            </a:solidFill>
-            <a:prstDash val="solid"/>
-            <a:headEnd type="none" len="sm" w="sm"/>
-            <a:tailEnd type="none" len="sm" w="sm"/>
-          </a:ln>
-        </p:spPr>
+              <a:t>MÓDULOS</a:t>
+            </a:r>
+          </a:p>
+        </p:txBody>
       </p:sp>
     </p:spTree>
   </p:cSld>
@@ -7241,7 +6128,7 @@
         </p:nvSpPr>
         <p:spPr>
           <a:xfrm flipH="false" flipV="false" rot="0">
-            <a:off x="6754466" y="-1225636"/>
+            <a:off x="6859897" y="-1562890"/>
             <a:ext cx="14493181" cy="13412781"/>
           </a:xfrm>
           <a:custGeom>
@@ -7256,13 +6143,13 @@
                   <a:pt x="0" y="0"/>
                 </a:moveTo>
                 <a:lnTo>
-                  <a:pt x="14493182" y="0"/>
-                </a:lnTo>
-                <a:lnTo>
-                  <a:pt x="14493182" y="13412781"/>
-                </a:lnTo>
-                <a:lnTo>
-                  <a:pt x="0" y="13412781"/>
+                  <a:pt x="14493181" y="0"/>
+                </a:lnTo>
+                <a:lnTo>
+                  <a:pt x="14493181" y="13412780"/>
+                </a:lnTo>
+                <a:lnTo>
+                  <a:pt x="0" y="13412780"/>
                 </a:lnTo>
                 <a:lnTo>
                   <a:pt x="0" y="0"/>
@@ -7458,70 +6345,186 @@
       </p:sp>
       <p:sp>
         <p:nvSpPr>
-          <p:cNvPr name="Freeform 6" id="6"/>
+          <p:cNvPr name="TextBox 6" id="6"/>
+          <p:cNvSpPr txBox="true"/>
+          <p:nvPr/>
+        </p:nvSpPr>
+        <p:spPr>
+          <a:xfrm rot="0">
+            <a:off x="4694939" y="5716774"/>
+            <a:ext cx="8807206" cy="945642"/>
+          </a:xfrm>
+          <a:prstGeom prst="rect">
+            <a:avLst/>
+          </a:prstGeom>
+        </p:spPr>
+        <p:txBody>
+          <a:bodyPr anchor="t" rtlCol="false" tIns="0" lIns="0" bIns="0" rIns="0">
+            <a:spAutoFit/>
+          </a:bodyPr>
+          <a:lstStyle/>
+          <a:p>
+            <a:pPr algn="just">
+              <a:lnSpc>
+                <a:spcPts val="2499"/>
+              </a:lnSpc>
+            </a:pPr>
+            <a:r>
+              <a:rPr lang="en-US" sz="2100">
+                <a:solidFill>
+                  <a:srgbClr val="29458E"/>
+                </a:solidFill>
+                <a:latin typeface="Glacial Indifference"/>
+                <a:ea typeface="Glacial Indifference"/>
+                <a:cs typeface="Glacial Indifference"/>
+                <a:sym typeface="Glacial Indifference"/>
+              </a:rPr>
+              <a:t>Permite dentro de la propia sesión de chofer, agendar una hora de atención para el taller. Permitirá rellenar los siguientes campos del vehículo:  Marca, modelo patente y chofer. </a:t>
+            </a:r>
+          </a:p>
+        </p:txBody>
+      </p:sp>
+      <p:sp>
+        <p:nvSpPr>
+          <p:cNvPr name="TextBox 7" id="7"/>
+          <p:cNvSpPr txBox="true"/>
+          <p:nvPr/>
+        </p:nvSpPr>
+        <p:spPr>
+          <a:xfrm rot="0">
+            <a:off x="4478087" y="4812154"/>
+            <a:ext cx="6416129" cy="629920"/>
+          </a:xfrm>
+          <a:prstGeom prst="rect">
+            <a:avLst/>
+          </a:prstGeom>
+        </p:spPr>
+        <p:txBody>
+          <a:bodyPr anchor="t" rtlCol="false" tIns="0" lIns="0" bIns="0" rIns="0">
+            <a:spAutoFit/>
+          </a:bodyPr>
+          <a:lstStyle/>
+          <a:p>
+            <a:pPr algn="ctr">
+              <a:lnSpc>
+                <a:spcPts val="5179"/>
+              </a:lnSpc>
+              <a:spcBef>
+                <a:spcPct val="0"/>
+              </a:spcBef>
+            </a:pPr>
+            <a:r>
+              <a:rPr lang="en-US" sz="3699" i="true" spc="347">
+                <a:solidFill>
+                  <a:srgbClr val="8B9ECF"/>
+                </a:solidFill>
+                <a:latin typeface="Glacial Indifference Italics"/>
+                <a:ea typeface="Glacial Indifference Italics"/>
+                <a:cs typeface="Glacial Indifference Italics"/>
+                <a:sym typeface="Glacial Indifference Italics"/>
+              </a:rPr>
+              <a:t>TOMA DE HORA EN TALLER</a:t>
+            </a:r>
+          </a:p>
+        </p:txBody>
+      </p:sp>
+      <p:sp>
+        <p:nvSpPr>
+          <p:cNvPr name="TextBox 8" id="8"/>
+          <p:cNvSpPr txBox="true"/>
+          <p:nvPr/>
+        </p:nvSpPr>
+        <p:spPr>
+          <a:xfrm rot="0">
+            <a:off x="2362771" y="2283958"/>
+            <a:ext cx="6253609" cy="629920"/>
+          </a:xfrm>
+          <a:prstGeom prst="rect">
+            <a:avLst/>
+          </a:prstGeom>
+        </p:spPr>
+        <p:txBody>
+          <a:bodyPr anchor="t" rtlCol="false" tIns="0" lIns="0" bIns="0" rIns="0">
+            <a:spAutoFit/>
+          </a:bodyPr>
+          <a:lstStyle/>
+          <a:p>
+            <a:pPr algn="ctr">
+              <a:lnSpc>
+                <a:spcPts val="5180"/>
+              </a:lnSpc>
+              <a:spcBef>
+                <a:spcPct val="0"/>
+              </a:spcBef>
+            </a:pPr>
+            <a:r>
+              <a:rPr lang="en-US" sz="3700" i="true" spc="347">
+                <a:solidFill>
+                  <a:srgbClr val="8B9ECF"/>
+                </a:solidFill>
+                <a:latin typeface="Glacial Indifference Italics"/>
+                <a:ea typeface="Glacial Indifference Italics"/>
+                <a:cs typeface="Glacial Indifference Italics"/>
+                <a:sym typeface="Glacial Indifference Italics"/>
+              </a:rPr>
+              <a:t>REGISTRO DE VEHÍCULOS</a:t>
+            </a:r>
+          </a:p>
+        </p:txBody>
+      </p:sp>
+      <p:sp>
+        <p:nvSpPr>
+          <p:cNvPr name="TextBox 9" id="9"/>
+          <p:cNvSpPr txBox="true"/>
+          <p:nvPr/>
+        </p:nvSpPr>
+        <p:spPr>
+          <a:xfrm rot="0">
+            <a:off x="2610332" y="3142477"/>
+            <a:ext cx="8807206" cy="1108710"/>
+          </a:xfrm>
+          <a:prstGeom prst="rect">
+            <a:avLst/>
+          </a:prstGeom>
+        </p:spPr>
+        <p:txBody>
+          <a:bodyPr anchor="t" rtlCol="false" tIns="0" lIns="0" bIns="0" rIns="0">
+            <a:spAutoFit/>
+          </a:bodyPr>
+          <a:lstStyle/>
+          <a:p>
+            <a:pPr algn="l">
+              <a:lnSpc>
+                <a:spcPts val="2940"/>
+              </a:lnSpc>
+              <a:spcBef>
+                <a:spcPct val="0"/>
+              </a:spcBef>
+            </a:pPr>
+            <a:r>
+              <a:rPr lang="en-US" sz="2100" spc="197">
+                <a:solidFill>
+                  <a:srgbClr val="29458E"/>
+                </a:solidFill>
+                <a:latin typeface="Glacial Indifference"/>
+                <a:ea typeface="Glacial Indifference"/>
+                <a:cs typeface="Glacial Indifference"/>
+                <a:sym typeface="Glacial Indifference"/>
+              </a:rPr>
+              <a:t>Permite a los choferes registrar el vehículo, guardando los siguientes datos: Patente del vehículo, Modelo del vehículo, Nombre del chofer.</a:t>
+            </a:r>
+          </a:p>
+        </p:txBody>
+      </p:sp>
+      <p:sp>
+        <p:nvSpPr>
+          <p:cNvPr name="AutoShape 10" id="10"/>
           <p:cNvSpPr/>
           <p:nvPr/>
         </p:nvSpPr>
         <p:spPr>
-          <a:xfrm flipH="false" flipV="false" rot="3553610">
-            <a:off x="-1547472" y="4540784"/>
-            <a:ext cx="5152344" cy="4936883"/>
-          </a:xfrm>
-          <a:custGeom>
-            <a:avLst/>
-            <a:gdLst/>
-            <a:ahLst/>
-            <a:cxnLst/>
-            <a:rect r="r" b="b" t="t" l="l"/>
-            <a:pathLst>
-              <a:path h="4936883" w="5152344">
-                <a:moveTo>
-                  <a:pt x="0" y="0"/>
-                </a:moveTo>
-                <a:lnTo>
-                  <a:pt x="5152344" y="0"/>
-                </a:lnTo>
-                <a:lnTo>
-                  <a:pt x="5152344" y="4936883"/>
-                </a:lnTo>
-                <a:lnTo>
-                  <a:pt x="0" y="4936883"/>
-                </a:lnTo>
-                <a:lnTo>
-                  <a:pt x="0" y="0"/>
-                </a:lnTo>
-                <a:close/>
-              </a:path>
-            </a:pathLst>
-          </a:custGeom>
-          <a:blipFill>
-            <a:blip r:embed="rId4">
-              <a:extLst>
-                <a:ext uri="{96DAC541-7B7A-43D3-8B79-37D633B846F1}">
-                  <asvg:svgBlip xmlns:asvg="http://schemas.microsoft.com/office/drawing/2016/SVG/main" r:embed="rId5"/>
-                </a:ext>
-              </a:extLst>
-            </a:blip>
-            <a:stretch>
-              <a:fillRect l="0" t="0" r="0" b="0"/>
-            </a:stretch>
-          </a:blipFill>
-          <a:ln cap="sq">
-            <a:noFill/>
-            <a:prstDash val="solid"/>
-            <a:miter/>
-          </a:ln>
-        </p:spPr>
-      </p:sp>
-      <p:sp>
-        <p:nvSpPr>
-          <p:cNvPr name="AutoShape 7" id="7"/>
-          <p:cNvSpPr/>
-          <p:nvPr/>
-        </p:nvSpPr>
-        <p:spPr>
           <a:xfrm flipV="true">
-            <a:off x="2826397" y="3996470"/>
+            <a:off x="2387982" y="3190102"/>
             <a:ext cx="0" cy="1207072"/>
           </a:xfrm>
           <a:prstGeom prst="line">
@@ -7539,49 +6542,218 @@
       </p:sp>
       <p:sp>
         <p:nvSpPr>
-          <p:cNvPr name="Freeform 8" id="8"/>
+          <p:cNvPr name="AutoShape 11" id="11"/>
           <p:cNvSpPr/>
           <p:nvPr/>
         </p:nvSpPr>
         <p:spPr>
-          <a:xfrm flipH="false" flipV="false" rot="0">
-            <a:off x="2263560" y="1139782"/>
-            <a:ext cx="13760880" cy="8127520"/>
-          </a:xfrm>
-          <a:custGeom>
-            <a:avLst/>
-            <a:gdLst/>
-            <a:ahLst/>
-            <a:cxnLst/>
-            <a:rect r="r" b="b" t="t" l="l"/>
-            <a:pathLst>
-              <a:path h="8127520" w="13760880">
-                <a:moveTo>
-                  <a:pt x="0" y="0"/>
-                </a:moveTo>
-                <a:lnTo>
-                  <a:pt x="13760880" y="0"/>
-                </a:lnTo>
-                <a:lnTo>
-                  <a:pt x="13760880" y="8127520"/>
-                </a:lnTo>
-                <a:lnTo>
-                  <a:pt x="0" y="8127520"/>
-                </a:lnTo>
-                <a:lnTo>
-                  <a:pt x="0" y="0"/>
-                </a:lnTo>
-                <a:close/>
-              </a:path>
-            </a:pathLst>
-          </a:custGeom>
-          <a:blipFill>
-            <a:blip r:embed="rId6"/>
-            <a:stretch>
-              <a:fillRect l="0" t="0" r="0" b="0"/>
-            </a:stretch>
-          </a:blipFill>
-        </p:spPr>
+          <a:xfrm flipV="true">
+            <a:off x="4506662" y="5586059"/>
+            <a:ext cx="0" cy="1207072"/>
+          </a:xfrm>
+          <a:prstGeom prst="line">
+            <a:avLst/>
+          </a:prstGeom>
+          <a:ln cap="flat" w="57150">
+            <a:solidFill>
+              <a:srgbClr val="29458E"/>
+            </a:solidFill>
+            <a:prstDash val="solid"/>
+            <a:headEnd type="none" len="sm" w="sm"/>
+            <a:tailEnd type="none" len="sm" w="sm"/>
+          </a:ln>
+        </p:spPr>
+      </p:sp>
+      <p:sp>
+        <p:nvSpPr>
+          <p:cNvPr name="TextBox 12" id="12"/>
+          <p:cNvSpPr txBox="true"/>
+          <p:nvPr/>
+        </p:nvSpPr>
+        <p:spPr>
+          <a:xfrm rot="0">
+            <a:off x="7416920" y="8166239"/>
+            <a:ext cx="8807206" cy="631317"/>
+          </a:xfrm>
+          <a:prstGeom prst="rect">
+            <a:avLst/>
+          </a:prstGeom>
+        </p:spPr>
+        <p:txBody>
+          <a:bodyPr anchor="t" rtlCol="false" tIns="0" lIns="0" bIns="0" rIns="0">
+            <a:spAutoFit/>
+          </a:bodyPr>
+          <a:lstStyle/>
+          <a:p>
+            <a:pPr algn="just">
+              <a:lnSpc>
+                <a:spcPts val="2499"/>
+              </a:lnSpc>
+            </a:pPr>
+            <a:r>
+              <a:rPr lang="en-US" sz="2100">
+                <a:solidFill>
+                  <a:srgbClr val="29458E"/>
+                </a:solidFill>
+                <a:latin typeface="Glacial Indifference"/>
+                <a:ea typeface="Glacial Indifference"/>
+                <a:cs typeface="Glacial Indifference"/>
+                <a:sym typeface="Glacial Indifference"/>
+              </a:rPr>
+              <a:t>Permite dentro de la propia sesión de chofer, visualizar el tiempo de reparación junto a otro tipo de actualizaciones de parte del mecánico.</a:t>
+            </a:r>
+          </a:p>
+        </p:txBody>
+      </p:sp>
+      <p:sp>
+        <p:nvSpPr>
+          <p:cNvPr name="TextBox 13" id="13"/>
+          <p:cNvSpPr txBox="true"/>
+          <p:nvPr/>
+        </p:nvSpPr>
+        <p:spPr>
+          <a:xfrm rot="0">
+            <a:off x="7013935" y="7224391"/>
+            <a:ext cx="8941743" cy="629920"/>
+          </a:xfrm>
+          <a:prstGeom prst="rect">
+            <a:avLst/>
+          </a:prstGeom>
+        </p:spPr>
+        <p:txBody>
+          <a:bodyPr anchor="t" rtlCol="false" tIns="0" lIns="0" bIns="0" rIns="0">
+            <a:spAutoFit/>
+          </a:bodyPr>
+          <a:lstStyle/>
+          <a:p>
+            <a:pPr algn="ctr">
+              <a:lnSpc>
+                <a:spcPts val="5180"/>
+              </a:lnSpc>
+              <a:spcBef>
+                <a:spcPct val="0"/>
+              </a:spcBef>
+            </a:pPr>
+            <a:r>
+              <a:rPr lang="en-US" sz="3700" i="true" spc="347">
+                <a:solidFill>
+                  <a:srgbClr val="8B9ECF"/>
+                </a:solidFill>
+                <a:latin typeface="Glacial Indifference Italics"/>
+                <a:ea typeface="Glacial Indifference Italics"/>
+                <a:cs typeface="Glacial Indifference Italics"/>
+                <a:sym typeface="Glacial Indifference Italics"/>
+              </a:rPr>
+              <a:t>VISUALIZAR TIEMPO DE REPARACIÓN</a:t>
+            </a:r>
+          </a:p>
+        </p:txBody>
+      </p:sp>
+      <p:sp>
+        <p:nvSpPr>
+          <p:cNvPr name="AutoShape 14" id="14"/>
+          <p:cNvSpPr/>
+          <p:nvPr/>
+        </p:nvSpPr>
+        <p:spPr>
+          <a:xfrm flipV="true">
+            <a:off x="7222375" y="8006170"/>
+            <a:ext cx="0" cy="951455"/>
+          </a:xfrm>
+          <a:prstGeom prst="line">
+            <a:avLst/>
+          </a:prstGeom>
+          <a:ln cap="flat" w="57150">
+            <a:solidFill>
+              <a:srgbClr val="29458E"/>
+            </a:solidFill>
+            <a:prstDash val="solid"/>
+            <a:headEnd type="none" len="sm" w="sm"/>
+            <a:tailEnd type="none" len="sm" w="sm"/>
+          </a:ln>
+        </p:spPr>
+      </p:sp>
+      <p:sp>
+        <p:nvSpPr>
+          <p:cNvPr name="TextBox 15" id="15"/>
+          <p:cNvSpPr txBox="true"/>
+          <p:nvPr/>
+        </p:nvSpPr>
+        <p:spPr>
+          <a:xfrm rot="0">
+            <a:off x="13227148" y="1091309"/>
+            <a:ext cx="4032152" cy="1259324"/>
+          </a:xfrm>
+          <a:prstGeom prst="rect">
+            <a:avLst/>
+          </a:prstGeom>
+        </p:spPr>
+        <p:txBody>
+          <a:bodyPr anchor="t" rtlCol="false" tIns="0" lIns="0" bIns="0" rIns="0">
+            <a:spAutoFit/>
+          </a:bodyPr>
+          <a:lstStyle/>
+          <a:p>
+            <a:pPr algn="l">
+              <a:lnSpc>
+                <a:spcPts val="10258"/>
+              </a:lnSpc>
+            </a:pPr>
+            <a:r>
+              <a:rPr lang="en-US" b="true" sz="7327" spc="688">
+                <a:solidFill>
+                  <a:srgbClr val="29458E"/>
+                </a:solidFill>
+                <a:latin typeface="Glacial Indifference Bold"/>
+                <a:ea typeface="Glacial Indifference Bold"/>
+                <a:cs typeface="Glacial Indifference Bold"/>
+                <a:sym typeface="Glacial Indifference Bold"/>
+              </a:rPr>
+              <a:t>CHOFER</a:t>
+            </a:r>
+          </a:p>
+        </p:txBody>
+      </p:sp>
+      <p:sp>
+        <p:nvSpPr>
+          <p:cNvPr name="TextBox 16" id="16"/>
+          <p:cNvSpPr txBox="true"/>
+          <p:nvPr/>
+        </p:nvSpPr>
+        <p:spPr>
+          <a:xfrm rot="0">
+            <a:off x="13315773" y="478862"/>
+            <a:ext cx="3854902" cy="966389"/>
+          </a:xfrm>
+          <a:prstGeom prst="rect">
+            <a:avLst/>
+          </a:prstGeom>
+        </p:spPr>
+        <p:txBody>
+          <a:bodyPr anchor="t" rtlCol="false" tIns="0" lIns="0" bIns="0" rIns="0">
+            <a:spAutoFit/>
+          </a:bodyPr>
+          <a:lstStyle/>
+          <a:p>
+            <a:pPr algn="l">
+              <a:lnSpc>
+                <a:spcPts val="7961"/>
+              </a:lnSpc>
+            </a:pPr>
+            <a:r>
+              <a:rPr lang="en-US" sz="5686" spc="534">
+                <a:solidFill>
+                  <a:srgbClr val="29458E"/>
+                </a:solidFill>
+                <a:latin typeface="Glacial Indifference"/>
+                <a:ea typeface="Glacial Indifference"/>
+                <a:cs typeface="Glacial Indifference"/>
+                <a:sym typeface="Glacial Indifference"/>
+              </a:rPr>
+              <a:t>MÓDULOS</a:t>
+            </a:r>
+          </a:p>
+        </p:txBody>
       </p:sp>
     </p:spTree>
   </p:cSld>
@@ -7849,7 +7021,7 @@
         </p:nvSpPr>
         <p:spPr>
           <a:xfrm flipH="false" flipV="false" rot="3553610">
-            <a:off x="-1547472" y="4540784"/>
+            <a:off x="-1411918" y="3790318"/>
             <a:ext cx="5152344" cy="4936883"/>
           </a:xfrm>
           <a:custGeom>
@@ -7898,260 +7070,16 @@
           </a:ln>
         </p:spPr>
       </p:sp>
-      <p:grpSp>
-        <p:nvGrpSpPr>
-          <p:cNvPr name="Group 7" id="7"/>
-          <p:cNvGrpSpPr/>
-          <p:nvPr/>
-        </p:nvGrpSpPr>
-        <p:grpSpPr>
+      <p:sp>
+        <p:nvSpPr>
+          <p:cNvPr name="TextBox 7" id="7"/>
+          <p:cNvSpPr txBox="true"/>
+          <p:nvPr/>
+        </p:nvSpPr>
+        <p:spPr>
           <a:xfrm rot="0">
-            <a:off x="9641325" y="2490492"/>
-            <a:ext cx="7617975" cy="5980525"/>
-            <a:chOff x="0" y="0"/>
-            <a:chExt cx="2006380" cy="1575118"/>
-          </a:xfrm>
-        </p:grpSpPr>
-        <p:sp>
-          <p:nvSpPr>
-            <p:cNvPr name="Freeform 8" id="8"/>
-            <p:cNvSpPr/>
-            <p:nvPr/>
-          </p:nvSpPr>
-          <p:spPr>
-            <a:xfrm flipH="false" flipV="false" rot="0">
-              <a:off x="0" y="0"/>
-              <a:ext cx="2006380" cy="1575118"/>
-            </a:xfrm>
-            <a:custGeom>
-              <a:avLst/>
-              <a:gdLst/>
-              <a:ahLst/>
-              <a:cxnLst/>
-              <a:rect r="r" b="b" t="t" l="l"/>
-              <a:pathLst>
-                <a:path h="1575118" w="2006380">
-                  <a:moveTo>
-                    <a:pt x="51830" y="0"/>
-                  </a:moveTo>
-                  <a:lnTo>
-                    <a:pt x="1954550" y="0"/>
-                  </a:lnTo>
-                  <a:cubicBezTo>
-                    <a:pt x="1983175" y="0"/>
-                    <a:pt x="2006380" y="23205"/>
-                    <a:pt x="2006380" y="51830"/>
-                  </a:cubicBezTo>
-                  <a:lnTo>
-                    <a:pt x="2006380" y="1523288"/>
-                  </a:lnTo>
-                  <a:cubicBezTo>
-                    <a:pt x="2006380" y="1537034"/>
-                    <a:pt x="2000920" y="1550217"/>
-                    <a:pt x="1991200" y="1559937"/>
-                  </a:cubicBezTo>
-                  <a:cubicBezTo>
-                    <a:pt x="1981480" y="1569657"/>
-                    <a:pt x="1968297" y="1575118"/>
-                    <a:pt x="1954550" y="1575118"/>
-                  </a:cubicBezTo>
-                  <a:lnTo>
-                    <a:pt x="51830" y="1575118"/>
-                  </a:lnTo>
-                  <a:cubicBezTo>
-                    <a:pt x="38084" y="1575118"/>
-                    <a:pt x="24901" y="1569657"/>
-                    <a:pt x="15181" y="1559937"/>
-                  </a:cubicBezTo>
-                  <a:cubicBezTo>
-                    <a:pt x="5461" y="1550217"/>
-                    <a:pt x="0" y="1537034"/>
-                    <a:pt x="0" y="1523288"/>
-                  </a:cubicBezTo>
-                  <a:lnTo>
-                    <a:pt x="0" y="51830"/>
-                  </a:lnTo>
-                  <a:cubicBezTo>
-                    <a:pt x="0" y="38084"/>
-                    <a:pt x="5461" y="24901"/>
-                    <a:pt x="15181" y="15181"/>
-                  </a:cubicBezTo>
-                  <a:cubicBezTo>
-                    <a:pt x="24901" y="5461"/>
-                    <a:pt x="38084" y="0"/>
-                    <a:pt x="51830" y="0"/>
-                  </a:cubicBezTo>
-                  <a:close/>
-                </a:path>
-              </a:pathLst>
-            </a:custGeom>
-            <a:solidFill>
-              <a:srgbClr val="D3D3FF">
-                <a:alpha val="49804"/>
-              </a:srgbClr>
-            </a:solidFill>
-          </p:spPr>
-        </p:sp>
-        <p:sp>
-          <p:nvSpPr>
-            <p:cNvPr name="TextBox 9" id="9"/>
-            <p:cNvSpPr txBox="true"/>
-            <p:nvPr/>
-          </p:nvSpPr>
-          <p:spPr>
-            <a:xfrm>
-              <a:off x="0" y="9525"/>
-              <a:ext cx="2006380" cy="1565593"/>
-            </a:xfrm>
-            <a:prstGeom prst="rect">
-              <a:avLst/>
-            </a:prstGeom>
-          </p:spPr>
-          <p:txBody>
-            <a:bodyPr anchor="ctr" rtlCol="false" tIns="50800" lIns="50800" bIns="50800" rIns="50800"/>
-            <a:lstStyle/>
-            <a:p>
-              <a:pPr algn="ctr">
-                <a:lnSpc>
-                  <a:spcPts val="2121"/>
-                </a:lnSpc>
-              </a:pPr>
-            </a:p>
-          </p:txBody>
-        </p:sp>
-      </p:grpSp>
-      <p:grpSp>
-        <p:nvGrpSpPr>
-          <p:cNvPr name="Group 10" id="10"/>
-          <p:cNvGrpSpPr/>
-          <p:nvPr/>
-        </p:nvGrpSpPr>
-        <p:grpSpPr>
-          <a:xfrm rot="0">
-            <a:off x="1028700" y="2490492"/>
-            <a:ext cx="7617975" cy="5980525"/>
-            <a:chOff x="0" y="0"/>
-            <a:chExt cx="2006380" cy="1575118"/>
-          </a:xfrm>
-        </p:grpSpPr>
-        <p:sp>
-          <p:nvSpPr>
-            <p:cNvPr name="Freeform 11" id="11"/>
-            <p:cNvSpPr/>
-            <p:nvPr/>
-          </p:nvSpPr>
-          <p:spPr>
-            <a:xfrm flipH="false" flipV="false" rot="0">
-              <a:off x="0" y="0"/>
-              <a:ext cx="2006380" cy="1575118"/>
-            </a:xfrm>
-            <a:custGeom>
-              <a:avLst/>
-              <a:gdLst/>
-              <a:ahLst/>
-              <a:cxnLst/>
-              <a:rect r="r" b="b" t="t" l="l"/>
-              <a:pathLst>
-                <a:path h="1575118" w="2006380">
-                  <a:moveTo>
-                    <a:pt x="51830" y="0"/>
-                  </a:moveTo>
-                  <a:lnTo>
-                    <a:pt x="1954550" y="0"/>
-                  </a:lnTo>
-                  <a:cubicBezTo>
-                    <a:pt x="1983175" y="0"/>
-                    <a:pt x="2006380" y="23205"/>
-                    <a:pt x="2006380" y="51830"/>
-                  </a:cubicBezTo>
-                  <a:lnTo>
-                    <a:pt x="2006380" y="1523288"/>
-                  </a:lnTo>
-                  <a:cubicBezTo>
-                    <a:pt x="2006380" y="1537034"/>
-                    <a:pt x="2000920" y="1550217"/>
-                    <a:pt x="1991200" y="1559937"/>
-                  </a:cubicBezTo>
-                  <a:cubicBezTo>
-                    <a:pt x="1981480" y="1569657"/>
-                    <a:pt x="1968297" y="1575118"/>
-                    <a:pt x="1954550" y="1575118"/>
-                  </a:cubicBezTo>
-                  <a:lnTo>
-                    <a:pt x="51830" y="1575118"/>
-                  </a:lnTo>
-                  <a:cubicBezTo>
-                    <a:pt x="38084" y="1575118"/>
-                    <a:pt x="24901" y="1569657"/>
-                    <a:pt x="15181" y="1559937"/>
-                  </a:cubicBezTo>
-                  <a:cubicBezTo>
-                    <a:pt x="5461" y="1550217"/>
-                    <a:pt x="0" y="1537034"/>
-                    <a:pt x="0" y="1523288"/>
-                  </a:cubicBezTo>
-                  <a:lnTo>
-                    <a:pt x="0" y="51830"/>
-                  </a:lnTo>
-                  <a:cubicBezTo>
-                    <a:pt x="0" y="38084"/>
-                    <a:pt x="5461" y="24901"/>
-                    <a:pt x="15181" y="15181"/>
-                  </a:cubicBezTo>
-                  <a:cubicBezTo>
-                    <a:pt x="24901" y="5461"/>
-                    <a:pt x="38084" y="0"/>
-                    <a:pt x="51830" y="0"/>
-                  </a:cubicBezTo>
-                  <a:close/>
-                </a:path>
-              </a:pathLst>
-            </a:custGeom>
-            <a:solidFill>
-              <a:srgbClr val="D3D3FF">
-                <a:alpha val="49804"/>
-              </a:srgbClr>
-            </a:solidFill>
-          </p:spPr>
-        </p:sp>
-        <p:sp>
-          <p:nvSpPr>
-            <p:cNvPr name="TextBox 12" id="12"/>
-            <p:cNvSpPr txBox="true"/>
-            <p:nvPr/>
-          </p:nvSpPr>
-          <p:spPr>
-            <a:xfrm>
-              <a:off x="0" y="9525"/>
-              <a:ext cx="2006380" cy="1565593"/>
-            </a:xfrm>
-            <a:prstGeom prst="rect">
-              <a:avLst/>
-            </a:prstGeom>
-          </p:spPr>
-          <p:txBody>
-            <a:bodyPr anchor="ctr" rtlCol="false" tIns="50800" lIns="50800" bIns="50800" rIns="50800"/>
-            <a:lstStyle/>
-            <a:p>
-              <a:pPr algn="ctr">
-                <a:lnSpc>
-                  <a:spcPts val="2121"/>
-                </a:lnSpc>
-              </a:pPr>
-            </a:p>
-          </p:txBody>
-        </p:sp>
-      </p:grpSp>
-      <p:sp>
-        <p:nvSpPr>
-          <p:cNvPr name="TextBox 13" id="13"/>
-          <p:cNvSpPr txBox="true"/>
-          <p:nvPr/>
-        </p:nvSpPr>
-        <p:spPr>
-          <a:xfrm rot="0">
-            <a:off x="10047682" y="3142499"/>
-            <a:ext cx="6805260" cy="669925"/>
+            <a:off x="12200678" y="6033243"/>
+            <a:ext cx="4484545" cy="2184273"/>
           </a:xfrm>
           <a:prstGeom prst="rect">
             <a:avLst/>
@@ -8163,36 +7091,36 @@
           </a:bodyPr>
           <a:lstStyle/>
           <a:p>
-            <a:pPr algn="l">
+            <a:pPr algn="ctr">
               <a:lnSpc>
-                <a:spcPts val="5599"/>
+                <a:spcPts val="2856"/>
               </a:lnSpc>
             </a:pPr>
             <a:r>
-              <a:rPr lang="en-US" b="true" sz="3999" spc="375">
+              <a:rPr lang="en-US" sz="2400">
                 <a:solidFill>
                   <a:srgbClr val="29458E"/>
                 </a:solidFill>
-                <a:latin typeface="Montaser Arabic Bold"/>
-                <a:ea typeface="Montaser Arabic Bold"/>
-                <a:cs typeface="Montaser Arabic Bold"/>
-                <a:sym typeface="Montaser Arabic Bold"/>
+                <a:latin typeface="Glacial Indifference"/>
+                <a:ea typeface="Glacial Indifference"/>
+                <a:cs typeface="Glacial Indifference"/>
+                <a:sym typeface="Glacial Indifference"/>
               </a:rPr>
-              <a:t>AVANCES ESPERADOS</a:t>
-            </a:r>
-          </a:p>
-        </p:txBody>
-      </p:sp>
-      <p:sp>
-        <p:nvSpPr>
-          <p:cNvPr name="TextBox 14" id="14"/>
+              <a:t>Los roles de usuario hacen la distinción entre los permisos que tiene cada trabajador en su perfil personal. Lo que permite al sistema desplegar las vistas correspondientes.</a:t>
+            </a:r>
+          </a:p>
+        </p:txBody>
+      </p:sp>
+      <p:sp>
+        <p:nvSpPr>
+          <p:cNvPr name="TextBox 8" id="8"/>
           <p:cNvSpPr txBox="true"/>
           <p:nvPr/>
         </p:nvSpPr>
         <p:spPr>
           <a:xfrm rot="0">
-            <a:off x="1599652" y="3142499"/>
-            <a:ext cx="6476071" cy="669925"/>
+            <a:off x="12200678" y="4247035"/>
+            <a:ext cx="4255479" cy="1393825"/>
           </a:xfrm>
           <a:prstGeom prst="rect">
             <a:avLst/>
@@ -8204,36 +7132,39 @@
           </a:bodyPr>
           <a:lstStyle/>
           <a:p>
-            <a:pPr algn="l">
+            <a:pPr algn="ctr">
               <a:lnSpc>
                 <a:spcPts val="5599"/>
               </a:lnSpc>
+              <a:spcBef>
+                <a:spcPct val="0"/>
+              </a:spcBef>
             </a:pPr>
             <a:r>
-              <a:rPr lang="en-US" b="true" sz="3999" spc="375">
+              <a:rPr lang="en-US" sz="3999" i="true" spc="375">
                 <a:solidFill>
-                  <a:srgbClr val="29458E"/>
+                  <a:srgbClr val="8B9ECF"/>
                 </a:solidFill>
-                <a:latin typeface="Montaser Arabic Bold"/>
-                <a:ea typeface="Montaser Arabic Bold"/>
-                <a:cs typeface="Montaser Arabic Bold"/>
-                <a:sym typeface="Montaser Arabic Bold"/>
+                <a:latin typeface="Glacial Indifference Italics"/>
+                <a:ea typeface="Glacial Indifference Italics"/>
+                <a:cs typeface="Glacial Indifference Italics"/>
+                <a:sym typeface="Glacial Indifference Italics"/>
               </a:rPr>
-              <a:t>AVANCES LOGRADOS</a:t>
-            </a:r>
-          </a:p>
-        </p:txBody>
-      </p:sp>
-      <p:sp>
-        <p:nvSpPr>
-          <p:cNvPr name="TextBox 15" id="15"/>
+              <a:t>ROLES DE USUARIO</a:t>
+            </a:r>
+          </a:p>
+        </p:txBody>
+      </p:sp>
+      <p:sp>
+        <p:nvSpPr>
+          <p:cNvPr name="TextBox 9" id="9"/>
           <p:cNvSpPr txBox="true"/>
           <p:nvPr/>
         </p:nvSpPr>
         <p:spPr>
           <a:xfrm rot="0">
-            <a:off x="1599652" y="4265317"/>
-            <a:ext cx="6476071" cy="1672590"/>
+            <a:off x="6898422" y="4247035"/>
+            <a:ext cx="4139126" cy="1393825"/>
           </a:xfrm>
           <a:prstGeom prst="rect">
             <a:avLst/>
@@ -8245,12 +7176,57 @@
           </a:bodyPr>
           <a:lstStyle/>
           <a:p>
-            <a:pPr algn="l" marL="518160" indent="-259080" lvl="1">
+            <a:pPr algn="ctr">
+              <a:lnSpc>
+                <a:spcPts val="5599"/>
+              </a:lnSpc>
+              <a:spcBef>
+                <a:spcPct val="0"/>
+              </a:spcBef>
+            </a:pPr>
+            <a:r>
+              <a:rPr lang="en-US" sz="3999" i="true" spc="375">
+                <a:solidFill>
+                  <a:srgbClr val="8B9ECF"/>
+                </a:solidFill>
+                <a:latin typeface="Glacial Indifference Italics"/>
+                <a:ea typeface="Glacial Indifference Italics"/>
+                <a:cs typeface="Glacial Indifference Italics"/>
+                <a:sym typeface="Glacial Indifference Italics"/>
+              </a:rPr>
+              <a:t>CRUD DE PERFILES</a:t>
+            </a:r>
+          </a:p>
+        </p:txBody>
+      </p:sp>
+      <p:sp>
+        <p:nvSpPr>
+          <p:cNvPr name="TextBox 10" id="10"/>
+          <p:cNvSpPr txBox="true"/>
+          <p:nvPr/>
+        </p:nvSpPr>
+        <p:spPr>
+          <a:xfrm rot="0">
+            <a:off x="6992097" y="5985618"/>
+            <a:ext cx="4484545" cy="1672590"/>
+          </a:xfrm>
+          <a:prstGeom prst="rect">
+            <a:avLst/>
+          </a:prstGeom>
+        </p:spPr>
+        <p:txBody>
+          <a:bodyPr anchor="t" rtlCol="false" tIns="0" lIns="0" bIns="0" rIns="0">
+            <a:spAutoFit/>
+          </a:bodyPr>
+          <a:lstStyle/>
+          <a:p>
+            <a:pPr algn="ctr">
               <a:lnSpc>
                 <a:spcPts val="3359"/>
               </a:lnSpc>
-              <a:buFont typeface="Arial"/>
-              <a:buChar char="•"/>
+              <a:spcBef>
+                <a:spcPct val="0"/>
+              </a:spcBef>
             </a:pPr>
             <a:r>
               <a:rPr lang="en-US" sz="2400" spc="225">
@@ -8262,21 +7238,21 @@
                 <a:cs typeface="Glacial Indifference"/>
                 <a:sym typeface="Glacial Indifference"/>
               </a:rPr>
-              <a:t>Como grupo hemos logrado avanzar en la mayoría de las evidencias, a pesar de esto aún no llegamos a la programación.</a:t>
-            </a:r>
-          </a:p>
-        </p:txBody>
-      </p:sp>
-      <p:sp>
-        <p:nvSpPr>
-          <p:cNvPr name="TextBox 16" id="16"/>
+              <a:t>Permite editar, eliminar y agregar perfiles de usuario. Además permite bloquear cuentas.</a:t>
+            </a:r>
+          </a:p>
+        </p:txBody>
+      </p:sp>
+      <p:sp>
+        <p:nvSpPr>
+          <p:cNvPr name="TextBox 11" id="11"/>
           <p:cNvSpPr txBox="true"/>
           <p:nvPr/>
         </p:nvSpPr>
         <p:spPr>
           <a:xfrm rot="0">
-            <a:off x="10209152" y="4247951"/>
-            <a:ext cx="6476071" cy="1672590"/>
+            <a:off x="1168225" y="1362416"/>
+            <a:ext cx="8415059" cy="1259324"/>
           </a:xfrm>
           <a:prstGeom prst="rect">
             <a:avLst/>
@@ -8288,12 +7264,139 @@
           </a:bodyPr>
           <a:lstStyle/>
           <a:p>
-            <a:pPr algn="l" marL="518160" indent="-259080" lvl="1">
+            <a:pPr algn="l">
+              <a:lnSpc>
+                <a:spcPts val="10258"/>
+              </a:lnSpc>
+            </a:pPr>
+            <a:r>
+              <a:rPr lang="en-US" b="true" sz="7327" spc="688">
+                <a:solidFill>
+                  <a:srgbClr val="29458E"/>
+                </a:solidFill>
+                <a:latin typeface="Glacial Indifference Bold"/>
+                <a:ea typeface="Glacial Indifference Bold"/>
+                <a:cs typeface="Glacial Indifference Bold"/>
+                <a:sym typeface="Glacial Indifference Bold"/>
+              </a:rPr>
+              <a:t>ADMINISTRADOR</a:t>
+            </a:r>
+          </a:p>
+        </p:txBody>
+      </p:sp>
+      <p:sp>
+        <p:nvSpPr>
+          <p:cNvPr name="TextBox 12" id="12"/>
+          <p:cNvSpPr txBox="true"/>
+          <p:nvPr/>
+        </p:nvSpPr>
+        <p:spPr>
+          <a:xfrm rot="0">
+            <a:off x="1256850" y="749970"/>
+            <a:ext cx="3854902" cy="966389"/>
+          </a:xfrm>
+          <a:prstGeom prst="rect">
+            <a:avLst/>
+          </a:prstGeom>
+        </p:spPr>
+        <p:txBody>
+          <a:bodyPr anchor="t" rtlCol="false" tIns="0" lIns="0" bIns="0" rIns="0">
+            <a:spAutoFit/>
+          </a:bodyPr>
+          <a:lstStyle/>
+          <a:p>
+            <a:pPr algn="l">
+              <a:lnSpc>
+                <a:spcPts val="7961"/>
+              </a:lnSpc>
+            </a:pPr>
+            <a:r>
+              <a:rPr lang="en-US" sz="5686" spc="534">
+                <a:solidFill>
+                  <a:srgbClr val="29458E"/>
+                </a:solidFill>
+                <a:latin typeface="Glacial Indifference"/>
+                <a:ea typeface="Glacial Indifference"/>
+                <a:cs typeface="Glacial Indifference"/>
+                <a:sym typeface="Glacial Indifference"/>
+              </a:rPr>
+              <a:t>MÓDULOS</a:t>
+            </a:r>
+          </a:p>
+        </p:txBody>
+      </p:sp>
+      <p:sp>
+        <p:nvSpPr>
+          <p:cNvPr name="TextBox 13" id="13"/>
+          <p:cNvSpPr txBox="true"/>
+          <p:nvPr/>
+        </p:nvSpPr>
+        <p:spPr>
+          <a:xfrm rot="0">
+            <a:off x="1555696" y="4771212"/>
+            <a:ext cx="4427096" cy="688975"/>
+          </a:xfrm>
+          <a:prstGeom prst="rect">
+            <a:avLst/>
+          </a:prstGeom>
+        </p:spPr>
+        <p:txBody>
+          <a:bodyPr anchor="t" rtlCol="false" tIns="0" lIns="0" bIns="0" rIns="0">
+            <a:spAutoFit/>
+          </a:bodyPr>
+          <a:lstStyle/>
+          <a:p>
+            <a:pPr algn="ctr">
+              <a:lnSpc>
+                <a:spcPts val="5599"/>
+              </a:lnSpc>
+              <a:spcBef>
+                <a:spcPct val="0"/>
+              </a:spcBef>
+            </a:pPr>
+            <a:r>
+              <a:rPr lang="en-US" sz="3999" i="true" spc="375">
+                <a:solidFill>
+                  <a:srgbClr val="8B9ECF"/>
+                </a:solidFill>
+                <a:latin typeface="Glacial Indifference Italics"/>
+                <a:ea typeface="Glacial Indifference Italics"/>
+                <a:cs typeface="Glacial Indifference Italics"/>
+                <a:sym typeface="Glacial Indifference Italics"/>
+              </a:rPr>
+              <a:t>LOGIN</a:t>
+            </a:r>
+          </a:p>
+        </p:txBody>
+      </p:sp>
+      <p:sp>
+        <p:nvSpPr>
+          <p:cNvPr name="TextBox 14" id="14"/>
+          <p:cNvSpPr txBox="true"/>
+          <p:nvPr/>
+        </p:nvSpPr>
+        <p:spPr>
+          <a:xfrm rot="0">
+            <a:off x="1526971" y="6000680"/>
+            <a:ext cx="4484545" cy="2091690"/>
+          </a:xfrm>
+          <a:prstGeom prst="rect">
+            <a:avLst/>
+          </a:prstGeom>
+        </p:spPr>
+        <p:txBody>
+          <a:bodyPr anchor="t" rtlCol="false" tIns="0" lIns="0" bIns="0" rIns="0">
+            <a:spAutoFit/>
+          </a:bodyPr>
+          <a:lstStyle/>
+          <a:p>
+            <a:pPr algn="ctr">
               <a:lnSpc>
                 <a:spcPts val="3359"/>
               </a:lnSpc>
-              <a:buFont typeface="Arial"/>
-              <a:buChar char="•"/>
+              <a:spcBef>
+                <a:spcPct val="0"/>
+              </a:spcBef>
             </a:pPr>
             <a:r>
               <a:rPr lang="en-US" sz="2400" spc="225">
@@ -8305,96 +7408,82 @@
                 <a:cs typeface="Glacial Indifference"/>
                 <a:sym typeface="Glacial Indifference"/>
               </a:rPr>
-              <a:t>Nos gustaría avanzar a la etapa de programación,  para poder dar un estado visual y tangible a nuestro proyecto.</a:t>
-            </a:r>
-          </a:p>
-        </p:txBody>
-      </p:sp>
-      <p:sp>
-        <p:nvSpPr>
-          <p:cNvPr name="TextBox 17" id="17"/>
-          <p:cNvSpPr txBox="true"/>
-          <p:nvPr/>
-        </p:nvSpPr>
-        <p:spPr>
-          <a:xfrm rot="0">
-            <a:off x="1599652" y="6391451"/>
-            <a:ext cx="6476071" cy="1253490"/>
-          </a:xfrm>
-          <a:prstGeom prst="rect">
+              <a:t>Permite a los usuarios ingresar a sus respectivas cuentas y muestra módulos correspondientes con el rol de su perfil.</a:t>
+            </a:r>
+          </a:p>
+        </p:txBody>
+      </p:sp>
+      <p:sp>
+        <p:nvSpPr>
+          <p:cNvPr name="AutoShape 15" id="15"/>
+          <p:cNvSpPr/>
+          <p:nvPr/>
+        </p:nvSpPr>
+        <p:spPr>
+          <a:xfrm>
+            <a:off x="2185241" y="5759008"/>
+            <a:ext cx="3223813" cy="0"/>
+          </a:xfrm>
+          <a:prstGeom prst="line">
             <a:avLst/>
           </a:prstGeom>
-        </p:spPr>
-        <p:txBody>
-          <a:bodyPr anchor="t" rtlCol="false" tIns="0" lIns="0" bIns="0" rIns="0">
-            <a:spAutoFit/>
-          </a:bodyPr>
-          <a:lstStyle/>
-          <a:p>
-            <a:pPr algn="l" marL="518160" indent="-259080" lvl="1">
-              <a:lnSpc>
-                <a:spcPts val="3359"/>
-              </a:lnSpc>
-              <a:buFont typeface="Arial"/>
-              <a:buChar char="•"/>
-            </a:pPr>
-            <a:r>
-              <a:rPr lang="en-US" sz="2400" spc="225">
-                <a:solidFill>
-                  <a:srgbClr val="29458E"/>
-                </a:solidFill>
-                <a:latin typeface="Glacial Indifference"/>
-                <a:ea typeface="Glacial Indifference"/>
-                <a:cs typeface="Glacial Indifference"/>
-                <a:sym typeface="Glacial Indifference"/>
-              </a:rPr>
-              <a:t>Logramos corregir errores que nos fueron planteados en clases anteriores.</a:t>
-            </a:r>
-          </a:p>
-        </p:txBody>
-      </p:sp>
-      <p:sp>
-        <p:nvSpPr>
-          <p:cNvPr name="TextBox 18" id="18"/>
-          <p:cNvSpPr txBox="true"/>
-          <p:nvPr/>
-        </p:nvSpPr>
-        <p:spPr>
-          <a:xfrm rot="0">
-            <a:off x="10209152" y="6391451"/>
-            <a:ext cx="6476071" cy="1253490"/>
-          </a:xfrm>
-          <a:prstGeom prst="rect">
+          <a:ln cap="flat" w="57150">
+            <a:solidFill>
+              <a:srgbClr val="29458E"/>
+            </a:solidFill>
+            <a:prstDash val="solid"/>
+            <a:headEnd type="none" len="sm" w="sm"/>
+            <a:tailEnd type="none" len="sm" w="sm"/>
+          </a:ln>
+        </p:spPr>
+      </p:sp>
+      <p:sp>
+        <p:nvSpPr>
+          <p:cNvPr name="AutoShape 16" id="16"/>
+          <p:cNvSpPr/>
+          <p:nvPr/>
+        </p:nvSpPr>
+        <p:spPr>
+          <a:xfrm>
+            <a:off x="7356078" y="5737039"/>
+            <a:ext cx="3223813" cy="0"/>
+          </a:xfrm>
+          <a:prstGeom prst="line">
             <a:avLst/>
           </a:prstGeom>
-        </p:spPr>
-        <p:txBody>
-          <a:bodyPr anchor="t" rtlCol="false" tIns="0" lIns="0" bIns="0" rIns="0">
-            <a:spAutoFit/>
-          </a:bodyPr>
-          <a:lstStyle/>
-          <a:p>
-            <a:pPr algn="l" marL="518160" indent="-259080" lvl="1">
-              <a:lnSpc>
-                <a:spcPts val="3359"/>
-              </a:lnSpc>
-              <a:buFont typeface="Arial"/>
-              <a:buChar char="•"/>
-            </a:pPr>
-            <a:r>
-              <a:rPr lang="en-US" sz="2400" spc="225">
-                <a:solidFill>
-                  <a:srgbClr val="29458E"/>
-                </a:solidFill>
-                <a:latin typeface="Glacial Indifference"/>
-                <a:ea typeface="Glacial Indifference"/>
-                <a:cs typeface="Glacial Indifference"/>
-                <a:sym typeface="Glacial Indifference"/>
-              </a:rPr>
-              <a:t>Lograr implementar la mayoría de las mejoras posibles que no hayamos visto en el proyecto.</a:t>
-            </a:r>
-          </a:p>
-        </p:txBody>
+          <a:ln cap="flat" w="57150">
+            <a:solidFill>
+              <a:srgbClr val="29458E"/>
+            </a:solidFill>
+            <a:prstDash val="solid"/>
+            <a:headEnd type="none" len="sm" w="sm"/>
+            <a:tailEnd type="none" len="sm" w="sm"/>
+          </a:ln>
+        </p:spPr>
+      </p:sp>
+      <p:sp>
+        <p:nvSpPr>
+          <p:cNvPr name="AutoShape 17" id="17"/>
+          <p:cNvSpPr/>
+          <p:nvPr/>
+        </p:nvSpPr>
+        <p:spPr>
+          <a:xfrm>
+            <a:off x="12716511" y="5743947"/>
+            <a:ext cx="3223813" cy="0"/>
+          </a:xfrm>
+          <a:prstGeom prst="line">
+            <a:avLst/>
+          </a:prstGeom>
+          <a:ln cap="flat" w="57150">
+            <a:solidFill>
+              <a:srgbClr val="29458E"/>
+            </a:solidFill>
+            <a:prstDash val="solid"/>
+            <a:headEnd type="none" len="sm" w="sm"/>
+            <a:tailEnd type="none" len="sm" w="sm"/>
+          </a:ln>
+        </p:spPr>
       </p:sp>
     </p:spTree>
   </p:cSld>
@@ -8413,7 +7502,7 @@
     <p:bg>
       <p:bgPr>
         <a:solidFill>
-          <a:srgbClr val="EFEFFF"/>
+          <a:srgbClr val="F6F9FC"/>
         </a:solidFill>
       </p:bgPr>
     </p:bg>
@@ -8433,58 +7522,14 @@
       </p:grpSpPr>
       <p:sp>
         <p:nvSpPr>
-          <p:cNvPr name="TextBox 2" id="2"/>
-          <p:cNvSpPr txBox="true"/>
-          <p:nvPr/>
-        </p:nvSpPr>
-        <p:spPr>
-          <a:xfrm rot="0">
-            <a:off x="2636450" y="4355838"/>
-            <a:ext cx="13015100" cy="1413398"/>
-          </a:xfrm>
-          <a:prstGeom prst="rect">
-            <a:avLst/>
-          </a:prstGeom>
-        </p:spPr>
-        <p:txBody>
-          <a:bodyPr anchor="t" rtlCol="false" tIns="0" lIns="0" bIns="0" rIns="0">
-            <a:spAutoFit/>
-          </a:bodyPr>
-          <a:lstStyle/>
-          <a:p>
-            <a:pPr algn="ctr" marL="0" indent="0" lvl="0">
-              <a:lnSpc>
-                <a:spcPts val="11572"/>
-              </a:lnSpc>
-              <a:spcBef>
-                <a:spcPct val="0"/>
-              </a:spcBef>
-            </a:pPr>
-            <a:r>
-              <a:rPr lang="en-US" b="true" sz="8266" spc="777">
-                <a:solidFill>
-                  <a:srgbClr val="29458E"/>
-                </a:solidFill>
-                <a:latin typeface="Glacial Indifference Bold"/>
-                <a:ea typeface="Glacial Indifference Bold"/>
-                <a:cs typeface="Glacial Indifference Bold"/>
-                <a:sym typeface="Glacial Indifference Bold"/>
-              </a:rPr>
-              <a:t>MOCKUPS</a:t>
-            </a:r>
-          </a:p>
-        </p:txBody>
-      </p:sp>
-      <p:sp>
-        <p:nvSpPr>
-          <p:cNvPr name="Freeform 3" id="3"/>
+          <p:cNvPr name="Freeform 2" id="2"/>
           <p:cNvSpPr/>
           <p:nvPr/>
         </p:nvSpPr>
         <p:spPr>
-          <a:xfrm flipH="false" flipV="false" rot="-9577409">
-            <a:off x="9296890" y="1563906"/>
-            <a:ext cx="13879540" cy="12971061"/>
+          <a:xfrm flipH="false" flipV="false" rot="0">
+            <a:off x="6859897" y="-1562890"/>
+            <a:ext cx="14493181" cy="13412781"/>
           </a:xfrm>
           <a:custGeom>
             <a:avLst/>
@@ -8493,18 +7538,18 @@
             <a:cxnLst/>
             <a:rect r="r" b="b" t="t" l="l"/>
             <a:pathLst>
-              <a:path h="12971061" w="13879540">
+              <a:path h="13412781" w="14493181">
                 <a:moveTo>
                   <a:pt x="0" y="0"/>
                 </a:moveTo>
                 <a:lnTo>
-                  <a:pt x="13879541" y="0"/>
-                </a:lnTo>
-                <a:lnTo>
-                  <a:pt x="13879541" y="12971061"/>
-                </a:lnTo>
-                <a:lnTo>
-                  <a:pt x="0" y="12971061"/>
+                  <a:pt x="14493181" y="0"/>
+                </a:lnTo>
+                <a:lnTo>
+                  <a:pt x="14493181" y="13412780"/>
+                </a:lnTo>
+                <a:lnTo>
+                  <a:pt x="0" y="13412780"/>
                 </a:lnTo>
                 <a:lnTo>
                   <a:pt x="0" y="0"/>
@@ -8525,23 +7570,18 @@
               <a:fillRect l="0" t="0" r="0" b="0"/>
             </a:stretch>
           </a:blipFill>
-          <a:ln cap="sq">
-            <a:noFill/>
-            <a:prstDash val="solid"/>
-            <a:miter/>
-          </a:ln>
-        </p:spPr>
-      </p:sp>
-      <p:sp>
-        <p:nvSpPr>
-          <p:cNvPr name="Freeform 4" id="4"/>
+        </p:spPr>
+      </p:sp>
+      <p:sp>
+        <p:nvSpPr>
+          <p:cNvPr name="Freeform 3" id="3"/>
           <p:cNvSpPr/>
           <p:nvPr/>
         </p:nvSpPr>
         <p:spPr>
-          <a:xfrm flipH="false" flipV="false" rot="5400000">
-            <a:off x="12060836" y="-1624317"/>
-            <a:ext cx="7643712" cy="7143396"/>
+          <a:xfrm flipH="false" flipV="false" rot="0">
+            <a:off x="13306345" y="-285545"/>
+            <a:ext cx="5502457" cy="5272355"/>
           </a:xfrm>
           <a:custGeom>
             <a:avLst/>
@@ -8550,18 +7590,18 @@
             <a:cxnLst/>
             <a:rect r="r" b="b" t="t" l="l"/>
             <a:pathLst>
-              <a:path h="7143396" w="7643712">
+              <a:path h="5272355" w="5502457">
                 <a:moveTo>
                   <a:pt x="0" y="0"/>
                 </a:moveTo>
                 <a:lnTo>
-                  <a:pt x="7643711" y="0"/>
-                </a:lnTo>
-                <a:lnTo>
-                  <a:pt x="7643711" y="7143396"/>
-                </a:lnTo>
-                <a:lnTo>
-                  <a:pt x="0" y="7143396"/>
+                  <a:pt x="5502457" y="0"/>
+                </a:lnTo>
+                <a:lnTo>
+                  <a:pt x="5502457" y="5272355"/>
+                </a:lnTo>
+                <a:lnTo>
+                  <a:pt x="0" y="5272355"/>
                 </a:lnTo>
                 <a:lnTo>
                   <a:pt x="0" y="0"/>
@@ -8572,7 +7612,6 @@
           </a:custGeom>
           <a:blipFill>
             <a:blip r:embed="rId4">
-              <a:alphaModFix amt="35000"/>
               <a:extLst>
                 <a:ext uri="{96DAC541-7B7A-43D3-8B79-37D633B846F1}">
                   <asvg:svgBlip xmlns:asvg="http://schemas.microsoft.com/office/drawing/2016/SVG/main" r:embed="rId5"/>
@@ -8592,14 +7631,14 @@
       </p:sp>
       <p:sp>
         <p:nvSpPr>
-          <p:cNvPr name="Freeform 5" id="5"/>
+          <p:cNvPr name="Freeform 4" id="4"/>
           <p:cNvSpPr/>
           <p:nvPr/>
         </p:nvSpPr>
         <p:spPr>
-          <a:xfrm flipH="false" flipV="false" rot="684474">
-            <a:off x="-3647968" y="-2099647"/>
-            <a:ext cx="11717314" cy="10950363"/>
+          <a:xfrm flipH="false" flipV="false" rot="3639771">
+            <a:off x="17005014" y="3219916"/>
+            <a:ext cx="1966466" cy="1884231"/>
           </a:xfrm>
           <a:custGeom>
             <a:avLst/>
@@ -8608,75 +7647,18 @@
             <a:cxnLst/>
             <a:rect r="r" b="b" t="t" l="l"/>
             <a:pathLst>
-              <a:path h="10950363" w="11717314">
+              <a:path h="1884231" w="1966466">
                 <a:moveTo>
                   <a:pt x="0" y="0"/>
                 </a:moveTo>
                 <a:lnTo>
-                  <a:pt x="11717314" y="0"/>
-                </a:lnTo>
-                <a:lnTo>
-                  <a:pt x="11717314" y="10950363"/>
-                </a:lnTo>
-                <a:lnTo>
-                  <a:pt x="0" y="10950363"/>
-                </a:lnTo>
-                <a:lnTo>
-                  <a:pt x="0" y="0"/>
-                </a:lnTo>
-                <a:close/>
-              </a:path>
-            </a:pathLst>
-          </a:custGeom>
-          <a:blipFill>
-            <a:blip r:embed="rId2">
-              <a:extLst>
-                <a:ext uri="{96DAC541-7B7A-43D3-8B79-37D633B846F1}">
-                  <asvg:svgBlip xmlns:asvg="http://schemas.microsoft.com/office/drawing/2016/SVG/main" r:embed="rId3"/>
-                </a:ext>
-              </a:extLst>
-            </a:blip>
-            <a:stretch>
-              <a:fillRect l="0" t="0" r="0" b="0"/>
-            </a:stretch>
-          </a:blipFill>
-          <a:ln cap="sq">
-            <a:noFill/>
-            <a:prstDash val="solid"/>
-            <a:miter/>
-          </a:ln>
-        </p:spPr>
-      </p:sp>
-      <p:sp>
-        <p:nvSpPr>
-          <p:cNvPr name="Freeform 6" id="6"/>
-          <p:cNvSpPr/>
-          <p:nvPr/>
-        </p:nvSpPr>
-        <p:spPr>
-          <a:xfrm flipH="false" flipV="false" rot="-5400000">
-            <a:off x="-1974408" y="5391557"/>
-            <a:ext cx="7579516" cy="7083402"/>
-          </a:xfrm>
-          <a:custGeom>
-            <a:avLst/>
-            <a:gdLst/>
-            <a:ahLst/>
-            <a:cxnLst/>
-            <a:rect r="r" b="b" t="t" l="l"/>
-            <a:pathLst>
-              <a:path h="7083402" w="7579516">
-                <a:moveTo>
-                  <a:pt x="0" y="0"/>
-                </a:moveTo>
-                <a:lnTo>
-                  <a:pt x="7579516" y="0"/>
-                </a:lnTo>
-                <a:lnTo>
-                  <a:pt x="7579516" y="7083402"/>
-                </a:lnTo>
-                <a:lnTo>
-                  <a:pt x="0" y="7083402"/>
+                  <a:pt x="1966466" y="0"/>
+                </a:lnTo>
+                <a:lnTo>
+                  <a:pt x="1966466" y="1884232"/>
+                </a:lnTo>
+                <a:lnTo>
+                  <a:pt x="0" y="1884232"/>
                 </a:lnTo>
                 <a:lnTo>
                   <a:pt x="0" y="0"/>
@@ -8687,7 +7669,6 @@
           </a:custGeom>
           <a:blipFill>
             <a:blip r:embed="rId4">
-              <a:alphaModFix amt="35000"/>
               <a:extLst>
                 <a:ext uri="{96DAC541-7B7A-43D3-8B79-37D633B846F1}">
                   <asvg:svgBlip xmlns:asvg="http://schemas.microsoft.com/office/drawing/2016/SVG/main" r:embed="rId5"/>
@@ -8707,14 +7688,14 @@
       </p:sp>
       <p:sp>
         <p:nvSpPr>
-          <p:cNvPr name="Freeform 7" id="7"/>
+          <p:cNvPr name="Freeform 5" id="5"/>
           <p:cNvSpPr/>
           <p:nvPr/>
         </p:nvSpPr>
         <p:spPr>
           <a:xfrm flipH="false" flipV="false" rot="0">
-            <a:off x="13485432" y="-688796"/>
-            <a:ext cx="5502457" cy="5272355"/>
+            <a:off x="0" y="9258300"/>
+            <a:ext cx="1966466" cy="1884231"/>
           </a:xfrm>
           <a:custGeom>
             <a:avLst/>
@@ -8723,18 +7704,18 @@
             <a:cxnLst/>
             <a:rect r="r" b="b" t="t" l="l"/>
             <a:pathLst>
-              <a:path h="5272355" w="5502457">
+              <a:path h="1884231" w="1966466">
                 <a:moveTo>
                   <a:pt x="0" y="0"/>
                 </a:moveTo>
                 <a:lnTo>
-                  <a:pt x="5502457" y="0"/>
-                </a:lnTo>
-                <a:lnTo>
-                  <a:pt x="5502457" y="5272354"/>
-                </a:lnTo>
-                <a:lnTo>
-                  <a:pt x="0" y="5272354"/>
+                  <a:pt x="1966466" y="0"/>
+                </a:lnTo>
+                <a:lnTo>
+                  <a:pt x="1966466" y="1884231"/>
+                </a:lnTo>
+                <a:lnTo>
+                  <a:pt x="0" y="1884231"/>
                 </a:lnTo>
                 <a:lnTo>
                   <a:pt x="0" y="0"/>
@@ -8744,10 +7725,10 @@
             </a:pathLst>
           </a:custGeom>
           <a:blipFill>
-            <a:blip r:embed="rId6">
+            <a:blip r:embed="rId4">
               <a:extLst>
                 <a:ext uri="{96DAC541-7B7A-43D3-8B79-37D633B846F1}">
-                  <asvg:svgBlip xmlns:asvg="http://schemas.microsoft.com/office/drawing/2016/SVG/main" r:embed="rId7"/>
+                  <asvg:svgBlip xmlns:asvg="http://schemas.microsoft.com/office/drawing/2016/SVG/main" r:embed="rId5"/>
                 </a:ext>
               </a:extLst>
             </a:blip>
@@ -8762,13 +7743,425 @@
           </a:ln>
         </p:spPr>
       </p:sp>
+      <p:sp>
+        <p:nvSpPr>
+          <p:cNvPr name="TextBox 6" id="6"/>
+          <p:cNvSpPr txBox="true"/>
+          <p:nvPr/>
+        </p:nvSpPr>
+        <p:spPr>
+          <a:xfrm rot="0">
+            <a:off x="4694939" y="5716774"/>
+            <a:ext cx="8807206" cy="945642"/>
+          </a:xfrm>
+          <a:prstGeom prst="rect">
+            <a:avLst/>
+          </a:prstGeom>
+        </p:spPr>
+        <p:txBody>
+          <a:bodyPr anchor="t" rtlCol="false" tIns="0" lIns="0" bIns="0" rIns="0">
+            <a:spAutoFit/>
+          </a:bodyPr>
+          <a:lstStyle/>
+          <a:p>
+            <a:pPr algn="just">
+              <a:lnSpc>
+                <a:spcPts val="2499"/>
+              </a:lnSpc>
+            </a:pPr>
+            <a:r>
+              <a:rPr lang="en-US" sz="2100">
+                <a:solidFill>
+                  <a:srgbClr val="29458E"/>
+                </a:solidFill>
+                <a:latin typeface="Glacial Indifference"/>
+                <a:ea typeface="Glacial Indifference"/>
+                <a:cs typeface="Glacial Indifference"/>
+                <a:sym typeface="Glacial Indifference"/>
+              </a:rPr>
+              <a:t>Permite dentro de la propia sesión de chofer, agendar una hora de atención para el taller. Permitirá rellenar los siguientes campos del vehículo:  Marca, modelo patente y chofer. </a:t>
+            </a:r>
+          </a:p>
+        </p:txBody>
+      </p:sp>
+      <p:sp>
+        <p:nvSpPr>
+          <p:cNvPr name="TextBox 7" id="7"/>
+          <p:cNvSpPr txBox="true"/>
+          <p:nvPr/>
+        </p:nvSpPr>
+        <p:spPr>
+          <a:xfrm rot="0">
+            <a:off x="4506662" y="4795202"/>
+            <a:ext cx="7453610" cy="629920"/>
+          </a:xfrm>
+          <a:prstGeom prst="rect">
+            <a:avLst/>
+          </a:prstGeom>
+        </p:spPr>
+        <p:txBody>
+          <a:bodyPr anchor="t" rtlCol="false" tIns="0" lIns="0" bIns="0" rIns="0">
+            <a:spAutoFit/>
+          </a:bodyPr>
+          <a:lstStyle/>
+          <a:p>
+            <a:pPr algn="ctr">
+              <a:lnSpc>
+                <a:spcPts val="5179"/>
+              </a:lnSpc>
+              <a:spcBef>
+                <a:spcPct val="0"/>
+              </a:spcBef>
+            </a:pPr>
+            <a:r>
+              <a:rPr lang="en-US" sz="3699" i="true" spc="347">
+                <a:solidFill>
+                  <a:srgbClr val="8B9ECF"/>
+                </a:solidFill>
+                <a:latin typeface="Glacial Indifference Italics"/>
+                <a:ea typeface="Glacial Indifference Italics"/>
+                <a:cs typeface="Glacial Indifference Italics"/>
+                <a:sym typeface="Glacial Indifference Italics"/>
+              </a:rPr>
+              <a:t>INFORMES DE MANTENIMIENTO</a:t>
+            </a:r>
+          </a:p>
+        </p:txBody>
+      </p:sp>
+      <p:sp>
+        <p:nvSpPr>
+          <p:cNvPr name="TextBox 8" id="8"/>
+          <p:cNvSpPr txBox="true"/>
+          <p:nvPr/>
+        </p:nvSpPr>
+        <p:spPr>
+          <a:xfrm rot="0">
+            <a:off x="2265661" y="2283958"/>
+            <a:ext cx="6447830" cy="629920"/>
+          </a:xfrm>
+          <a:prstGeom prst="rect">
+            <a:avLst/>
+          </a:prstGeom>
+        </p:spPr>
+        <p:txBody>
+          <a:bodyPr anchor="t" rtlCol="false" tIns="0" lIns="0" bIns="0" rIns="0">
+            <a:spAutoFit/>
+          </a:bodyPr>
+          <a:lstStyle/>
+          <a:p>
+            <a:pPr algn="ctr">
+              <a:lnSpc>
+                <a:spcPts val="5180"/>
+              </a:lnSpc>
+              <a:spcBef>
+                <a:spcPct val="0"/>
+              </a:spcBef>
+            </a:pPr>
+            <a:r>
+              <a:rPr lang="en-US" sz="3700" i="true" spc="347">
+                <a:solidFill>
+                  <a:srgbClr val="8B9ECF"/>
+                </a:solidFill>
+                <a:latin typeface="Glacial Indifference Italics"/>
+                <a:ea typeface="Glacial Indifference Italics"/>
+                <a:cs typeface="Glacial Indifference Italics"/>
+                <a:sym typeface="Glacial Indifference Italics"/>
+              </a:rPr>
+              <a:t>HISTORIAL DE VEHÍCULOS </a:t>
+            </a:r>
+          </a:p>
+        </p:txBody>
+      </p:sp>
+      <p:sp>
+        <p:nvSpPr>
+          <p:cNvPr name="TextBox 9" id="9"/>
+          <p:cNvSpPr txBox="true"/>
+          <p:nvPr/>
+        </p:nvSpPr>
+        <p:spPr>
+          <a:xfrm rot="0">
+            <a:off x="2610332" y="3142477"/>
+            <a:ext cx="8807206" cy="1480185"/>
+          </a:xfrm>
+          <a:prstGeom prst="rect">
+            <a:avLst/>
+          </a:prstGeom>
+        </p:spPr>
+        <p:txBody>
+          <a:bodyPr anchor="t" rtlCol="false" tIns="0" lIns="0" bIns="0" rIns="0">
+            <a:spAutoFit/>
+          </a:bodyPr>
+          <a:lstStyle/>
+          <a:p>
+            <a:pPr algn="l">
+              <a:lnSpc>
+                <a:spcPts val="2940"/>
+              </a:lnSpc>
+              <a:spcBef>
+                <a:spcPct val="0"/>
+              </a:spcBef>
+            </a:pPr>
+            <a:r>
+              <a:rPr lang="en-US" sz="2100" spc="197">
+                <a:solidFill>
+                  <a:srgbClr val="29458E"/>
+                </a:solidFill>
+                <a:latin typeface="Glacial Indifference"/>
+                <a:ea typeface="Glacial Indifference"/>
+                <a:cs typeface="Glacial Indifference"/>
+                <a:sym typeface="Glacial Indifference"/>
+              </a:rPr>
+              <a:t>Permite a los usuarios con rol de supervisor ver los vehículos registrados de parte de los choferes, como también filtrar la búsqueda por fecha y patente. Como también exportar los datos a CSV.</a:t>
+            </a:r>
+          </a:p>
+        </p:txBody>
+      </p:sp>
+      <p:sp>
+        <p:nvSpPr>
+          <p:cNvPr name="AutoShape 10" id="10"/>
+          <p:cNvSpPr/>
+          <p:nvPr/>
+        </p:nvSpPr>
+        <p:spPr>
+          <a:xfrm flipV="true">
+            <a:off x="2387982" y="3190102"/>
+            <a:ext cx="0" cy="1207072"/>
+          </a:xfrm>
+          <a:prstGeom prst="line">
+            <a:avLst/>
+          </a:prstGeom>
+          <a:ln cap="flat" w="57150">
+            <a:solidFill>
+              <a:srgbClr val="29458E"/>
+            </a:solidFill>
+            <a:prstDash val="solid"/>
+            <a:headEnd type="none" len="sm" w="sm"/>
+            <a:tailEnd type="none" len="sm" w="sm"/>
+          </a:ln>
+        </p:spPr>
+      </p:sp>
+      <p:sp>
+        <p:nvSpPr>
+          <p:cNvPr name="AutoShape 11" id="11"/>
+          <p:cNvSpPr/>
+          <p:nvPr/>
+        </p:nvSpPr>
+        <p:spPr>
+          <a:xfrm flipV="true">
+            <a:off x="4506662" y="5586059"/>
+            <a:ext cx="0" cy="1207072"/>
+          </a:xfrm>
+          <a:prstGeom prst="line">
+            <a:avLst/>
+          </a:prstGeom>
+          <a:ln cap="flat" w="57150">
+            <a:solidFill>
+              <a:srgbClr val="29458E"/>
+            </a:solidFill>
+            <a:prstDash val="solid"/>
+            <a:headEnd type="none" len="sm" w="sm"/>
+            <a:tailEnd type="none" len="sm" w="sm"/>
+          </a:ln>
+        </p:spPr>
+      </p:sp>
+      <p:sp>
+        <p:nvSpPr>
+          <p:cNvPr name="TextBox 12" id="12"/>
+          <p:cNvSpPr txBox="true"/>
+          <p:nvPr/>
+        </p:nvSpPr>
+        <p:spPr>
+          <a:xfrm rot="0">
+            <a:off x="7416920" y="8166239"/>
+            <a:ext cx="8807206" cy="631317"/>
+          </a:xfrm>
+          <a:prstGeom prst="rect">
+            <a:avLst/>
+          </a:prstGeom>
+        </p:spPr>
+        <p:txBody>
+          <a:bodyPr anchor="t" rtlCol="false" tIns="0" lIns="0" bIns="0" rIns="0">
+            <a:spAutoFit/>
+          </a:bodyPr>
+          <a:lstStyle/>
+          <a:p>
+            <a:pPr algn="just">
+              <a:lnSpc>
+                <a:spcPts val="2499"/>
+              </a:lnSpc>
+            </a:pPr>
+            <a:r>
+              <a:rPr lang="en-US" sz="2100">
+                <a:solidFill>
+                  <a:srgbClr val="29458E"/>
+                </a:solidFill>
+                <a:latin typeface="Glacial Indifference"/>
+                <a:ea typeface="Glacial Indifference"/>
+                <a:cs typeface="Glacial Indifference"/>
+                <a:sym typeface="Glacial Indifference"/>
+              </a:rPr>
+              <a:t>Permite dentro de la propia sesión de supervisor, subir documentos, eliminarlos y realizar búsqueda por fecha o nombre.</a:t>
+            </a:r>
+          </a:p>
+        </p:txBody>
+      </p:sp>
+      <p:sp>
+        <p:nvSpPr>
+          <p:cNvPr name="TextBox 13" id="13"/>
+          <p:cNvSpPr txBox="true"/>
+          <p:nvPr/>
+        </p:nvSpPr>
+        <p:spPr>
+          <a:xfrm rot="0">
+            <a:off x="7191151" y="7224391"/>
+            <a:ext cx="9032974" cy="629920"/>
+          </a:xfrm>
+          <a:prstGeom prst="rect">
+            <a:avLst/>
+          </a:prstGeom>
+        </p:spPr>
+        <p:txBody>
+          <a:bodyPr anchor="t" rtlCol="false" tIns="0" lIns="0" bIns="0" rIns="0">
+            <a:spAutoFit/>
+          </a:bodyPr>
+          <a:lstStyle/>
+          <a:p>
+            <a:pPr algn="ctr">
+              <a:lnSpc>
+                <a:spcPts val="5180"/>
+              </a:lnSpc>
+              <a:spcBef>
+                <a:spcPct val="0"/>
+              </a:spcBef>
+            </a:pPr>
+            <a:r>
+              <a:rPr lang="en-US" sz="3700" i="true" spc="347">
+                <a:solidFill>
+                  <a:srgbClr val="8B9ECF"/>
+                </a:solidFill>
+                <a:latin typeface="Glacial Indifference Italics"/>
+                <a:ea typeface="Glacial Indifference Italics"/>
+                <a:cs typeface="Glacial Indifference Italics"/>
+                <a:sym typeface="Glacial Indifference Italics"/>
+              </a:rPr>
+              <a:t>ALMACENAMIENTO DE DOCUMENTOS</a:t>
+            </a:r>
+          </a:p>
+        </p:txBody>
+      </p:sp>
+      <p:sp>
+        <p:nvSpPr>
+          <p:cNvPr name="AutoShape 14" id="14"/>
+          <p:cNvSpPr/>
+          <p:nvPr/>
+        </p:nvSpPr>
+        <p:spPr>
+          <a:xfrm flipV="true">
+            <a:off x="7222375" y="8006170"/>
+            <a:ext cx="0" cy="951455"/>
+          </a:xfrm>
+          <a:prstGeom prst="line">
+            <a:avLst/>
+          </a:prstGeom>
+          <a:ln cap="flat" w="57150">
+            <a:solidFill>
+              <a:srgbClr val="29458E"/>
+            </a:solidFill>
+            <a:prstDash val="solid"/>
+            <a:headEnd type="none" len="sm" w="sm"/>
+            <a:tailEnd type="none" len="sm" w="sm"/>
+          </a:ln>
+        </p:spPr>
+      </p:sp>
+      <p:sp>
+        <p:nvSpPr>
+          <p:cNvPr name="TextBox 15" id="15"/>
+          <p:cNvSpPr txBox="true"/>
+          <p:nvPr/>
+        </p:nvSpPr>
+        <p:spPr>
+          <a:xfrm rot="0">
+            <a:off x="11417538" y="1156832"/>
+            <a:ext cx="6124099" cy="1193800"/>
+          </a:xfrm>
+          <a:prstGeom prst="rect">
+            <a:avLst/>
+          </a:prstGeom>
+        </p:spPr>
+        <p:txBody>
+          <a:bodyPr anchor="t" rtlCol="false" tIns="0" lIns="0" bIns="0" rIns="0">
+            <a:spAutoFit/>
+          </a:bodyPr>
+          <a:lstStyle/>
+          <a:p>
+            <a:pPr algn="l">
+              <a:lnSpc>
+                <a:spcPts val="9799"/>
+              </a:lnSpc>
+            </a:pPr>
+            <a:r>
+              <a:rPr lang="en-US" b="true" sz="6999" spc="657">
+                <a:solidFill>
+                  <a:srgbClr val="29458E"/>
+                </a:solidFill>
+                <a:latin typeface="Glacial Indifference Bold"/>
+                <a:ea typeface="Glacial Indifference Bold"/>
+                <a:cs typeface="Glacial Indifference Bold"/>
+                <a:sym typeface="Glacial Indifference Bold"/>
+              </a:rPr>
+              <a:t>SUPERVISOR</a:t>
+            </a:r>
+          </a:p>
+        </p:txBody>
+      </p:sp>
+      <p:sp>
+        <p:nvSpPr>
+          <p:cNvPr name="TextBox 16" id="16"/>
+          <p:cNvSpPr txBox="true"/>
+          <p:nvPr/>
+        </p:nvSpPr>
+        <p:spPr>
+          <a:xfrm rot="0">
+            <a:off x="13315773" y="478862"/>
+            <a:ext cx="3854902" cy="966389"/>
+          </a:xfrm>
+          <a:prstGeom prst="rect">
+            <a:avLst/>
+          </a:prstGeom>
+        </p:spPr>
+        <p:txBody>
+          <a:bodyPr anchor="t" rtlCol="false" tIns="0" lIns="0" bIns="0" rIns="0">
+            <a:spAutoFit/>
+          </a:bodyPr>
+          <a:lstStyle/>
+          <a:p>
+            <a:pPr algn="l">
+              <a:lnSpc>
+                <a:spcPts val="7961"/>
+              </a:lnSpc>
+            </a:pPr>
+            <a:r>
+              <a:rPr lang="en-US" sz="5686" spc="534">
+                <a:solidFill>
+                  <a:srgbClr val="29458E"/>
+                </a:solidFill>
+                <a:latin typeface="Glacial Indifference"/>
+                <a:ea typeface="Glacial Indifference"/>
+                <a:cs typeface="Glacial Indifference"/>
+                <a:sym typeface="Glacial Indifference"/>
+              </a:rPr>
+              <a:t>MÓDULOS</a:t>
+            </a:r>
+          </a:p>
+        </p:txBody>
+      </p:sp>
     </p:spTree>
   </p:cSld>
   <p:clrMapOvr>
     <a:masterClrMapping/>
   </p:clrMapOvr>
   <p:transition spd="slow">
-    <p:cover dir="l"/>
+    <p:push dir="l"/>
   </p:transition>
 </p:sld>
 </file>
@@ -8779,7 +8172,7 @@
     <p:bg>
       <p:bgPr>
         <a:solidFill>
-          <a:srgbClr val="F5F5F7"/>
+          <a:srgbClr val="F6F9FC"/>
         </a:solidFill>
       </p:bgPr>
     </p:bg>
@@ -8805,8 +8198,8 @@
         </p:nvSpPr>
         <p:spPr>
           <a:xfrm flipH="false" flipV="false" rot="0">
-            <a:off x="1028700" y="46456"/>
-            <a:ext cx="16744950" cy="10194087"/>
+            <a:off x="6754466" y="-1225636"/>
+            <a:ext cx="14493181" cy="13412781"/>
           </a:xfrm>
           <a:custGeom>
             <a:avLst/>
@@ -8815,18 +8208,18 @@
             <a:cxnLst/>
             <a:rect r="r" b="b" t="t" l="l"/>
             <a:pathLst>
-              <a:path h="10194087" w="16744950">
+              <a:path h="13412781" w="14493181">
                 <a:moveTo>
                   <a:pt x="0" y="0"/>
                 </a:moveTo>
                 <a:lnTo>
-                  <a:pt x="16744950" y="0"/>
-                </a:lnTo>
-                <a:lnTo>
-                  <a:pt x="16744950" y="10194088"/>
-                </a:lnTo>
-                <a:lnTo>
-                  <a:pt x="0" y="10194088"/>
+                  <a:pt x="14493182" y="0"/>
+                </a:lnTo>
+                <a:lnTo>
+                  <a:pt x="14493182" y="13412781"/>
+                </a:lnTo>
+                <a:lnTo>
+                  <a:pt x="0" y="13412781"/>
                 </a:lnTo>
                 <a:lnTo>
                   <a:pt x="0" y="0"/>
@@ -8836,11 +8229,548 @@
             </a:pathLst>
           </a:custGeom>
           <a:blipFill>
-            <a:blip r:embed="rId2"/>
+            <a:blip r:embed="rId2">
+              <a:extLst>
+                <a:ext uri="{96DAC541-7B7A-43D3-8B79-37D633B846F1}">
+                  <asvg:svgBlip xmlns:asvg="http://schemas.microsoft.com/office/drawing/2016/SVG/main" r:embed="rId3"/>
+                </a:ext>
+              </a:extLst>
+            </a:blip>
             <a:stretch>
-              <a:fillRect l="-3071" t="0" r="0" b="-5816"/>
+              <a:fillRect l="0" t="0" r="0" b="0"/>
             </a:stretch>
           </a:blipFill>
+        </p:spPr>
+      </p:sp>
+      <p:sp>
+        <p:nvSpPr>
+          <p:cNvPr name="Freeform 3" id="3"/>
+          <p:cNvSpPr/>
+          <p:nvPr/>
+        </p:nvSpPr>
+        <p:spPr>
+          <a:xfrm flipH="false" flipV="false" rot="0">
+            <a:off x="13306345" y="-285545"/>
+            <a:ext cx="5502457" cy="5272355"/>
+          </a:xfrm>
+          <a:custGeom>
+            <a:avLst/>
+            <a:gdLst/>
+            <a:ahLst/>
+            <a:cxnLst/>
+            <a:rect r="r" b="b" t="t" l="l"/>
+            <a:pathLst>
+              <a:path h="5272355" w="5502457">
+                <a:moveTo>
+                  <a:pt x="0" y="0"/>
+                </a:moveTo>
+                <a:lnTo>
+                  <a:pt x="5502457" y="0"/>
+                </a:lnTo>
+                <a:lnTo>
+                  <a:pt x="5502457" y="5272355"/>
+                </a:lnTo>
+                <a:lnTo>
+                  <a:pt x="0" y="5272355"/>
+                </a:lnTo>
+                <a:lnTo>
+                  <a:pt x="0" y="0"/>
+                </a:lnTo>
+                <a:close/>
+              </a:path>
+            </a:pathLst>
+          </a:custGeom>
+          <a:blipFill>
+            <a:blip r:embed="rId4">
+              <a:extLst>
+                <a:ext uri="{96DAC541-7B7A-43D3-8B79-37D633B846F1}">
+                  <asvg:svgBlip xmlns:asvg="http://schemas.microsoft.com/office/drawing/2016/SVG/main" r:embed="rId5"/>
+                </a:ext>
+              </a:extLst>
+            </a:blip>
+            <a:stretch>
+              <a:fillRect l="0" t="0" r="0" b="0"/>
+            </a:stretch>
+          </a:blipFill>
+          <a:ln cap="sq">
+            <a:noFill/>
+            <a:prstDash val="solid"/>
+            <a:miter/>
+          </a:ln>
+        </p:spPr>
+      </p:sp>
+      <p:sp>
+        <p:nvSpPr>
+          <p:cNvPr name="Freeform 4" id="4"/>
+          <p:cNvSpPr/>
+          <p:nvPr/>
+        </p:nvSpPr>
+        <p:spPr>
+          <a:xfrm flipH="false" flipV="false" rot="3639771">
+            <a:off x="17005014" y="3219916"/>
+            <a:ext cx="1966466" cy="1884231"/>
+          </a:xfrm>
+          <a:custGeom>
+            <a:avLst/>
+            <a:gdLst/>
+            <a:ahLst/>
+            <a:cxnLst/>
+            <a:rect r="r" b="b" t="t" l="l"/>
+            <a:pathLst>
+              <a:path h="1884231" w="1966466">
+                <a:moveTo>
+                  <a:pt x="0" y="0"/>
+                </a:moveTo>
+                <a:lnTo>
+                  <a:pt x="1966466" y="0"/>
+                </a:lnTo>
+                <a:lnTo>
+                  <a:pt x="1966466" y="1884232"/>
+                </a:lnTo>
+                <a:lnTo>
+                  <a:pt x="0" y="1884232"/>
+                </a:lnTo>
+                <a:lnTo>
+                  <a:pt x="0" y="0"/>
+                </a:lnTo>
+                <a:close/>
+              </a:path>
+            </a:pathLst>
+          </a:custGeom>
+          <a:blipFill>
+            <a:blip r:embed="rId4">
+              <a:extLst>
+                <a:ext uri="{96DAC541-7B7A-43D3-8B79-37D633B846F1}">
+                  <asvg:svgBlip xmlns:asvg="http://schemas.microsoft.com/office/drawing/2016/SVG/main" r:embed="rId5"/>
+                </a:ext>
+              </a:extLst>
+            </a:blip>
+            <a:stretch>
+              <a:fillRect l="0" t="0" r="0" b="0"/>
+            </a:stretch>
+          </a:blipFill>
+          <a:ln cap="sq">
+            <a:noFill/>
+            <a:prstDash val="solid"/>
+            <a:miter/>
+          </a:ln>
+        </p:spPr>
+      </p:sp>
+      <p:sp>
+        <p:nvSpPr>
+          <p:cNvPr name="Freeform 5" id="5"/>
+          <p:cNvSpPr/>
+          <p:nvPr/>
+        </p:nvSpPr>
+        <p:spPr>
+          <a:xfrm flipH="false" flipV="false" rot="0">
+            <a:off x="0" y="9258300"/>
+            <a:ext cx="1966466" cy="1884231"/>
+          </a:xfrm>
+          <a:custGeom>
+            <a:avLst/>
+            <a:gdLst/>
+            <a:ahLst/>
+            <a:cxnLst/>
+            <a:rect r="r" b="b" t="t" l="l"/>
+            <a:pathLst>
+              <a:path h="1884231" w="1966466">
+                <a:moveTo>
+                  <a:pt x="0" y="0"/>
+                </a:moveTo>
+                <a:lnTo>
+                  <a:pt x="1966466" y="0"/>
+                </a:lnTo>
+                <a:lnTo>
+                  <a:pt x="1966466" y="1884231"/>
+                </a:lnTo>
+                <a:lnTo>
+                  <a:pt x="0" y="1884231"/>
+                </a:lnTo>
+                <a:lnTo>
+                  <a:pt x="0" y="0"/>
+                </a:lnTo>
+                <a:close/>
+              </a:path>
+            </a:pathLst>
+          </a:custGeom>
+          <a:blipFill>
+            <a:blip r:embed="rId4">
+              <a:extLst>
+                <a:ext uri="{96DAC541-7B7A-43D3-8B79-37D633B846F1}">
+                  <asvg:svgBlip xmlns:asvg="http://schemas.microsoft.com/office/drawing/2016/SVG/main" r:embed="rId5"/>
+                </a:ext>
+              </a:extLst>
+            </a:blip>
+            <a:stretch>
+              <a:fillRect l="0" t="0" r="0" b="0"/>
+            </a:stretch>
+          </a:blipFill>
+          <a:ln cap="sq">
+            <a:noFill/>
+            <a:prstDash val="solid"/>
+            <a:miter/>
+          </a:ln>
+        </p:spPr>
+      </p:sp>
+      <p:sp>
+        <p:nvSpPr>
+          <p:cNvPr name="Freeform 6" id="6"/>
+          <p:cNvSpPr/>
+          <p:nvPr/>
+        </p:nvSpPr>
+        <p:spPr>
+          <a:xfrm flipH="false" flipV="false" rot="3553610">
+            <a:off x="-1547472" y="4540784"/>
+            <a:ext cx="5152344" cy="4936883"/>
+          </a:xfrm>
+          <a:custGeom>
+            <a:avLst/>
+            <a:gdLst/>
+            <a:ahLst/>
+            <a:cxnLst/>
+            <a:rect r="r" b="b" t="t" l="l"/>
+            <a:pathLst>
+              <a:path h="4936883" w="5152344">
+                <a:moveTo>
+                  <a:pt x="0" y="0"/>
+                </a:moveTo>
+                <a:lnTo>
+                  <a:pt x="5152344" y="0"/>
+                </a:lnTo>
+                <a:lnTo>
+                  <a:pt x="5152344" y="4936883"/>
+                </a:lnTo>
+                <a:lnTo>
+                  <a:pt x="0" y="4936883"/>
+                </a:lnTo>
+                <a:lnTo>
+                  <a:pt x="0" y="0"/>
+                </a:lnTo>
+                <a:close/>
+              </a:path>
+            </a:pathLst>
+          </a:custGeom>
+          <a:blipFill>
+            <a:blip r:embed="rId4">
+              <a:extLst>
+                <a:ext uri="{96DAC541-7B7A-43D3-8B79-37D633B846F1}">
+                  <asvg:svgBlip xmlns:asvg="http://schemas.microsoft.com/office/drawing/2016/SVG/main" r:embed="rId5"/>
+                </a:ext>
+              </a:extLst>
+            </a:blip>
+            <a:stretch>
+              <a:fillRect l="0" t="0" r="0" b="0"/>
+            </a:stretch>
+          </a:blipFill>
+          <a:ln cap="sq">
+            <a:noFill/>
+            <a:prstDash val="solid"/>
+            <a:miter/>
+          </a:ln>
+        </p:spPr>
+      </p:sp>
+      <p:sp>
+        <p:nvSpPr>
+          <p:cNvPr name="TextBox 7" id="7"/>
+          <p:cNvSpPr txBox="true"/>
+          <p:nvPr/>
+        </p:nvSpPr>
+        <p:spPr>
+          <a:xfrm rot="0">
+            <a:off x="1028700" y="1091309"/>
+            <a:ext cx="8324690" cy="1259324"/>
+          </a:xfrm>
+          <a:prstGeom prst="rect">
+            <a:avLst/>
+          </a:prstGeom>
+        </p:spPr>
+        <p:txBody>
+          <a:bodyPr anchor="t" rtlCol="false" tIns="0" lIns="0" bIns="0" rIns="0">
+            <a:spAutoFit/>
+          </a:bodyPr>
+          <a:lstStyle/>
+          <a:p>
+            <a:pPr algn="l">
+              <a:lnSpc>
+                <a:spcPts val="10258"/>
+              </a:lnSpc>
+            </a:pPr>
+            <a:r>
+              <a:rPr lang="en-US" b="true" sz="7327" spc="688">
+                <a:solidFill>
+                  <a:srgbClr val="29458E"/>
+                </a:solidFill>
+                <a:latin typeface="Glacial Indifference Bold"/>
+                <a:ea typeface="Glacial Indifference Bold"/>
+                <a:cs typeface="Glacial Indifference Bold"/>
+                <a:sym typeface="Glacial Indifference Bold"/>
+              </a:rPr>
+              <a:t>MECÁNICO</a:t>
+            </a:r>
+          </a:p>
+        </p:txBody>
+      </p:sp>
+      <p:sp>
+        <p:nvSpPr>
+          <p:cNvPr name="TextBox 8" id="8"/>
+          <p:cNvSpPr txBox="true"/>
+          <p:nvPr/>
+        </p:nvSpPr>
+        <p:spPr>
+          <a:xfrm rot="0">
+            <a:off x="6760457" y="6765648"/>
+            <a:ext cx="8807206" cy="1460373"/>
+          </a:xfrm>
+          <a:prstGeom prst="rect">
+            <a:avLst/>
+          </a:prstGeom>
+        </p:spPr>
+        <p:txBody>
+          <a:bodyPr anchor="t" rtlCol="false" tIns="0" lIns="0" bIns="0" rIns="0">
+            <a:spAutoFit/>
+          </a:bodyPr>
+          <a:lstStyle/>
+          <a:p>
+            <a:pPr algn="just">
+              <a:lnSpc>
+                <a:spcPts val="2856"/>
+              </a:lnSpc>
+            </a:pPr>
+            <a:r>
+              <a:rPr lang="en-US" sz="2400">
+                <a:solidFill>
+                  <a:srgbClr val="29458E"/>
+                </a:solidFill>
+                <a:latin typeface="Glacial Indifference"/>
+                <a:ea typeface="Glacial Indifference"/>
+                <a:cs typeface="Glacial Indifference"/>
+                <a:sym typeface="Glacial Indifference"/>
+              </a:rPr>
+              <a:t>Permite a los usuarios con rol de mecánico realizar informes describiendo los datos del vehículo, del chofer, comentarios de la reparación, la cronología del servicio entregado y también la subida de evidencias fotográficas.</a:t>
+            </a:r>
+          </a:p>
+        </p:txBody>
+      </p:sp>
+      <p:sp>
+        <p:nvSpPr>
+          <p:cNvPr name="TextBox 9" id="9"/>
+          <p:cNvSpPr txBox="true"/>
+          <p:nvPr/>
+        </p:nvSpPr>
+        <p:spPr>
+          <a:xfrm rot="0">
+            <a:off x="6861325" y="5983385"/>
+            <a:ext cx="7139732" cy="629920"/>
+          </a:xfrm>
+          <a:prstGeom prst="rect">
+            <a:avLst/>
+          </a:prstGeom>
+        </p:spPr>
+        <p:txBody>
+          <a:bodyPr anchor="t" rtlCol="false" tIns="0" lIns="0" bIns="0" rIns="0">
+            <a:spAutoFit/>
+          </a:bodyPr>
+          <a:lstStyle/>
+          <a:p>
+            <a:pPr algn="ctr">
+              <a:lnSpc>
+                <a:spcPts val="5179"/>
+              </a:lnSpc>
+              <a:spcBef>
+                <a:spcPct val="0"/>
+              </a:spcBef>
+            </a:pPr>
+            <a:r>
+              <a:rPr lang="en-US" sz="3699" i="true" spc="347">
+                <a:solidFill>
+                  <a:srgbClr val="8B9ECF"/>
+                </a:solidFill>
+                <a:latin typeface="Glacial Indifference Italics"/>
+                <a:ea typeface="Glacial Indifference Italics"/>
+                <a:cs typeface="Glacial Indifference Italics"/>
+                <a:sym typeface="Glacial Indifference Italics"/>
+              </a:rPr>
+              <a:t>INFORME DE MANTENIMIENTO</a:t>
+            </a:r>
+          </a:p>
+        </p:txBody>
+      </p:sp>
+      <p:sp>
+        <p:nvSpPr>
+          <p:cNvPr name="TextBox 10" id="10"/>
+          <p:cNvSpPr txBox="true"/>
+          <p:nvPr/>
+        </p:nvSpPr>
+        <p:spPr>
+          <a:xfrm rot="0">
+            <a:off x="2803991" y="3137950"/>
+            <a:ext cx="4774109" cy="629920"/>
+          </a:xfrm>
+          <a:prstGeom prst="rect">
+            <a:avLst/>
+          </a:prstGeom>
+        </p:spPr>
+        <p:txBody>
+          <a:bodyPr anchor="t" rtlCol="false" tIns="0" lIns="0" bIns="0" rIns="0">
+            <a:spAutoFit/>
+          </a:bodyPr>
+          <a:lstStyle/>
+          <a:p>
+            <a:pPr algn="ctr">
+              <a:lnSpc>
+                <a:spcPts val="5179"/>
+              </a:lnSpc>
+              <a:spcBef>
+                <a:spcPct val="0"/>
+              </a:spcBef>
+            </a:pPr>
+            <a:r>
+              <a:rPr lang="en-US" sz="3699" i="true" spc="347">
+                <a:solidFill>
+                  <a:srgbClr val="8B9ECF"/>
+                </a:solidFill>
+                <a:latin typeface="Glacial Indifference Italics"/>
+                <a:ea typeface="Glacial Indifference Italics"/>
+                <a:cs typeface="Glacial Indifference Italics"/>
+                <a:sym typeface="Glacial Indifference Italics"/>
+              </a:rPr>
+              <a:t>GESTIÓN DE CITAS </a:t>
+            </a:r>
+          </a:p>
+        </p:txBody>
+      </p:sp>
+      <p:sp>
+        <p:nvSpPr>
+          <p:cNvPr name="TextBox 11" id="11"/>
+          <p:cNvSpPr txBox="true"/>
+          <p:nvPr/>
+        </p:nvSpPr>
+        <p:spPr>
+          <a:xfrm rot="0">
+            <a:off x="3048747" y="3939320"/>
+            <a:ext cx="8807206" cy="1253490"/>
+          </a:xfrm>
+          <a:prstGeom prst="rect">
+            <a:avLst/>
+          </a:prstGeom>
+        </p:spPr>
+        <p:txBody>
+          <a:bodyPr anchor="t" rtlCol="false" tIns="0" lIns="0" bIns="0" rIns="0">
+            <a:spAutoFit/>
+          </a:bodyPr>
+          <a:lstStyle/>
+          <a:p>
+            <a:pPr algn="l">
+              <a:lnSpc>
+                <a:spcPts val="3359"/>
+              </a:lnSpc>
+              <a:spcBef>
+                <a:spcPct val="0"/>
+              </a:spcBef>
+            </a:pPr>
+            <a:r>
+              <a:rPr lang="en-US" sz="2400" spc="225">
+                <a:solidFill>
+                  <a:srgbClr val="29458E"/>
+                </a:solidFill>
+                <a:latin typeface="Glacial Indifference"/>
+                <a:ea typeface="Glacial Indifference"/>
+                <a:cs typeface="Glacial Indifference"/>
+                <a:sym typeface="Glacial Indifference"/>
+              </a:rPr>
+              <a:t>Desarrollar plataforma tecnológica que gestione la logística mejorando tiempo, comunicación y la trazabilidad de la información entre los usuarios</a:t>
+            </a:r>
+          </a:p>
+        </p:txBody>
+      </p:sp>
+      <p:sp>
+        <p:nvSpPr>
+          <p:cNvPr name="AutoShape 12" id="12"/>
+          <p:cNvSpPr/>
+          <p:nvPr/>
+        </p:nvSpPr>
+        <p:spPr>
+          <a:xfrm flipV="true">
+            <a:off x="2826397" y="3996470"/>
+            <a:ext cx="0" cy="1207072"/>
+          </a:xfrm>
+          <a:prstGeom prst="line">
+            <a:avLst/>
+          </a:prstGeom>
+          <a:ln cap="flat" w="57150">
+            <a:solidFill>
+              <a:srgbClr val="29458E"/>
+            </a:solidFill>
+            <a:prstDash val="solid"/>
+            <a:headEnd type="none" len="sm" w="sm"/>
+            <a:tailEnd type="none" len="sm" w="sm"/>
+          </a:ln>
+        </p:spPr>
+      </p:sp>
+      <p:sp>
+        <p:nvSpPr>
+          <p:cNvPr name="TextBox 13" id="13"/>
+          <p:cNvSpPr txBox="true"/>
+          <p:nvPr/>
+        </p:nvSpPr>
+        <p:spPr>
+          <a:xfrm rot="0">
+            <a:off x="1094885" y="267795"/>
+            <a:ext cx="3854902" cy="966389"/>
+          </a:xfrm>
+          <a:prstGeom prst="rect">
+            <a:avLst/>
+          </a:prstGeom>
+        </p:spPr>
+        <p:txBody>
+          <a:bodyPr anchor="t" rtlCol="false" tIns="0" lIns="0" bIns="0" rIns="0">
+            <a:spAutoFit/>
+          </a:bodyPr>
+          <a:lstStyle/>
+          <a:p>
+            <a:pPr algn="l">
+              <a:lnSpc>
+                <a:spcPts val="7961"/>
+              </a:lnSpc>
+            </a:pPr>
+            <a:r>
+              <a:rPr lang="en-US" sz="5686" spc="534">
+                <a:solidFill>
+                  <a:srgbClr val="29458E"/>
+                </a:solidFill>
+                <a:latin typeface="Glacial Indifference"/>
+                <a:ea typeface="Glacial Indifference"/>
+                <a:cs typeface="Glacial Indifference"/>
+                <a:sym typeface="Glacial Indifference"/>
+              </a:rPr>
+              <a:t>MÓDULOS</a:t>
+            </a:r>
+          </a:p>
+        </p:txBody>
+      </p:sp>
+      <p:sp>
+        <p:nvSpPr>
+          <p:cNvPr name="AutoShape 14" id="14"/>
+          <p:cNvSpPr/>
+          <p:nvPr/>
+        </p:nvSpPr>
+        <p:spPr>
+          <a:xfrm flipV="true">
+            <a:off x="6533320" y="6897060"/>
+            <a:ext cx="0" cy="1207072"/>
+          </a:xfrm>
+          <a:prstGeom prst="line">
+            <a:avLst/>
+          </a:prstGeom>
+          <a:ln cap="flat" w="57150">
+            <a:solidFill>
+              <a:srgbClr val="29458E"/>
+            </a:solidFill>
+            <a:prstDash val="solid"/>
+            <a:headEnd type="none" len="sm" w="sm"/>
+            <a:tailEnd type="none" len="sm" w="sm"/>
+          </a:ln>
         </p:spPr>
       </p:sp>
     </p:spTree>
@@ -8848,8 +8778,8 @@
   <p:clrMapOvr>
     <a:masterClrMapping/>
   </p:clrMapOvr>
-  <p:transition spd="fast">
-    <p:cover dir="u"/>
+  <p:transition spd="slow">
+    <p:push dir="l"/>
   </p:transition>
 </p:sld>
 </file>
